--- a/assets/courses/compsci1/Cosma/Ch05 Visual Aids.pptx
+++ b/assets/courses/compsci1/Cosma/Ch05 Visual Aids.pptx
@@ -319,7 +319,7 @@
             <a:fld id="{194E7F5B-5B77-4CDC-BAB8-AAA03AD122E4}" type="datetime8">
               <a:rPr lang="en-US"/>
               <a:pPr/>
-              <a:t>11/18/13 07:21</a:t>
+              <a:t>6/4/15 15:05</a:t>
             </a:fld>
             <a:endParaRPr lang="en-US"/>
           </a:p>
@@ -637,7 +637,7 @@
             <a:fld id="{6C9C9204-3469-4846-A132-8F6EA33DE190}" type="datetime8">
               <a:rPr lang="en-US"/>
               <a:pPr/>
-              <a:t>11/18/13 07:21</a:t>
+              <a:t>6/4/15 15:05</a:t>
             </a:fld>
             <a:endParaRPr lang="en-US"/>
           </a:p>
@@ -1095,7 +1095,7 @@
             <a:fld id="{992236AE-8C55-4189-8882-C3C967114A30}" type="datetime8">
               <a:rPr lang="en-US"/>
               <a:pPr/>
-              <a:t>11/18/13 07:30</a:t>
+              <a:t>6/4/15 15:05</a:t>
             </a:fld>
             <a:endParaRPr lang="en-US"/>
           </a:p>
@@ -1257,11 +1257,7 @@
           <a:p>
             <a:r>
               <a:rPr lang="en-US" baseline="0" dirty="0" smtClean="0"/>
-              <a:t>Condition is at the end so Loop executes at least once</a:t>
-            </a:r>
-            <a:r>
-              <a:rPr lang="en-US" baseline="0" dirty="0" smtClean="0"/>
-              <a:t>.</a:t>
+              <a:t>Condition is at the end so Loop executes at least once.</a:t>
             </a:r>
           </a:p>
           <a:p>
@@ -1279,6 +1275,17 @@
           </a:p>
           <a:p>
             <a:r>
+              <a:rPr lang="en-US" sz="1400" kern="1200" smtClean="0">
+                <a:solidFill>
+                  <a:schemeClr val="tx1"/>
+                </a:solidFill>
+                <a:latin typeface="Times New Roman" pitchFamily="18" charset="0"/>
+                <a:ea typeface="+mn-ea"/>
+                <a:cs typeface="+mn-cs"/>
+              </a:rPr>
+              <a:t>Dim </a:t>
+            </a:r>
+            <a:r>
               <a:rPr lang="en-US" sz="1400" kern="1200" dirty="0" smtClean="0">
                 <a:solidFill>
                   <a:schemeClr val="tx1"/>
@@ -1287,7 +1294,7 @@
                 <a:ea typeface="+mn-ea"/>
                 <a:cs typeface="+mn-cs"/>
               </a:rPr>
-              <a:t>        Dim counter As Integer</a:t>
+              <a:t>counter As Integer</a:t>
             </a:r>
           </a:p>
           <a:p>
@@ -1504,7 +1511,7 @@
             <a:fld id="{A96B13A2-5E07-4697-B0B6-B1C0688E59B3}" type="datetime8">
               <a:rPr lang="en-US"/>
               <a:pPr/>
-              <a:t>11/18/13 07:21</a:t>
+              <a:t>6/4/15 15:05</a:t>
             </a:fld>
             <a:endParaRPr lang="en-US"/>
           </a:p>
@@ -1565,10 +1572,183 @@
           <a:bodyPr/>
           <a:lstStyle/>
           <a:p>
+            <a:pPr marL="0" marR="0" indent="0" algn="l" defTabSz="914400" rtl="0" eaLnBrk="1" fontAlgn="base" latinLnBrk="0" hangingPunct="1">
+              <a:lnSpc>
+                <a:spcPct val="100000"/>
+              </a:lnSpc>
+              <a:spcBef>
+                <a:spcPct val="30000"/>
+              </a:spcBef>
+              <a:spcAft>
+                <a:spcPct val="0"/>
+              </a:spcAft>
+              <a:buClrTx/>
+              <a:buSzTx/>
+              <a:buFontTx/>
+              <a:buNone/>
+              <a:tabLst/>
+              <a:defRPr/>
+            </a:pPr>
             <a:r>
               <a:rPr lang="en-US" dirty="0" smtClean="0"/>
               <a:t>A method is a procedure in a class.</a:t>
             </a:r>
+          </a:p>
+          <a:p>
+            <a:endParaRPr lang="en-US" sz="1400" b="1" i="0" kern="1200" dirty="0" smtClean="0">
+              <a:solidFill>
+                <a:schemeClr val="tx1"/>
+              </a:solidFill>
+              <a:effectLst/>
+              <a:latin typeface="Times New Roman" pitchFamily="18" charset="0"/>
+              <a:ea typeface="+mn-ea"/>
+              <a:cs typeface="+mn-cs"/>
+            </a:endParaRPr>
+          </a:p>
+          <a:p>
+            <a:r>
+              <a:rPr lang="en-US" sz="1400" b="1" i="0" kern="1200" dirty="0" err="1" smtClean="0">
+                <a:solidFill>
+                  <a:schemeClr val="tx1"/>
+                </a:solidFill>
+                <a:effectLst/>
+                <a:latin typeface="Times New Roman" pitchFamily="18" charset="0"/>
+                <a:ea typeface="+mn-ea"/>
+                <a:cs typeface="+mn-cs"/>
+              </a:rPr>
+              <a:t>String.Split</a:t>
+            </a:r>
+            <a:r>
+              <a:rPr lang="en-US" sz="1400" b="1" i="0" kern="1200" dirty="0" smtClean="0">
+                <a:solidFill>
+                  <a:schemeClr val="tx1"/>
+                </a:solidFill>
+                <a:effectLst/>
+                <a:latin typeface="Times New Roman" pitchFamily="18" charset="0"/>
+                <a:ea typeface="+mn-ea"/>
+                <a:cs typeface="+mn-cs"/>
+              </a:rPr>
+              <a:t> </a:t>
+            </a:r>
+            <a:r>
+              <a:rPr lang="en-US" sz="1400" b="0" i="0" kern="1200" dirty="0" smtClean="0">
+                <a:solidFill>
+                  <a:schemeClr val="tx1"/>
+                </a:solidFill>
+                <a:effectLst/>
+                <a:latin typeface="Times New Roman" pitchFamily="18" charset="0"/>
+                <a:ea typeface="+mn-ea"/>
+                <a:cs typeface="+mn-cs"/>
+              </a:rPr>
+              <a:t>= another Method (String(), </a:t>
+            </a:r>
+            <a:r>
+              <a:rPr lang="en-US" sz="1400" b="0" i="0" kern="1200" dirty="0" err="1" smtClean="0">
+                <a:solidFill>
+                  <a:schemeClr val="tx1"/>
+                </a:solidFill>
+                <a:effectLst/>
+                <a:latin typeface="Times New Roman" pitchFamily="18" charset="0"/>
+                <a:ea typeface="+mn-ea"/>
+                <a:cs typeface="+mn-cs"/>
+              </a:rPr>
+              <a:t>StringSplitOptions</a:t>
+            </a:r>
+            <a:r>
+              <a:rPr lang="en-US" sz="1400" b="0" i="0" kern="1200" dirty="0" smtClean="0">
+                <a:solidFill>
+                  <a:schemeClr val="tx1"/>
+                </a:solidFill>
+                <a:effectLst/>
+                <a:latin typeface="Times New Roman" pitchFamily="18" charset="0"/>
+                <a:ea typeface="+mn-ea"/>
+                <a:cs typeface="+mn-cs"/>
+              </a:rPr>
+              <a:t>)</a:t>
+            </a:r>
+          </a:p>
+          <a:p>
+            <a:r>
+              <a:rPr lang="en-US" sz="1400" b="0" i="0" kern="1200" dirty="0" smtClean="0">
+                <a:solidFill>
+                  <a:schemeClr val="tx1"/>
+                </a:solidFill>
+                <a:effectLst/>
+                <a:latin typeface="Times New Roman" pitchFamily="18" charset="0"/>
+                <a:ea typeface="+mn-ea"/>
+                <a:cs typeface="+mn-cs"/>
+              </a:rPr>
+              <a:t>Returns a string array that contains the substrings in this string that are delimited by elements of a specified string array. </a:t>
+            </a:r>
+          </a:p>
+          <a:p>
+            <a:r>
+              <a:rPr lang="en-US" sz="1400" b="0" i="0" kern="1200" dirty="0" smtClean="0">
+                <a:solidFill>
+                  <a:schemeClr val="tx1"/>
+                </a:solidFill>
+                <a:effectLst/>
+                <a:latin typeface="Times New Roman" pitchFamily="18" charset="0"/>
+                <a:ea typeface="+mn-ea"/>
+                <a:cs typeface="+mn-cs"/>
+              </a:rPr>
+              <a:t>Example:</a:t>
+            </a:r>
+          </a:p>
+          <a:p>
+            <a:pPr marL="0" marR="0" indent="0" algn="l" defTabSz="914400" rtl="0" eaLnBrk="1" fontAlgn="base" latinLnBrk="0" hangingPunct="1">
+              <a:lnSpc>
+                <a:spcPct val="100000"/>
+              </a:lnSpc>
+              <a:spcBef>
+                <a:spcPct val="30000"/>
+              </a:spcBef>
+              <a:spcAft>
+                <a:spcPct val="0"/>
+              </a:spcAft>
+              <a:buClrTx/>
+              <a:buSzTx/>
+              <a:buFontTx/>
+              <a:buNone/>
+              <a:tabLst/>
+              <a:defRPr/>
+            </a:pPr>
+            <a:r>
+              <a:rPr lang="en-US" sz="1400" kern="1200" dirty="0" smtClean="0">
+                <a:solidFill>
+                  <a:schemeClr val="tx1"/>
+                </a:solidFill>
+                <a:latin typeface="Times New Roman" pitchFamily="18" charset="0"/>
+                <a:ea typeface="+mn-ea"/>
+                <a:cs typeface="+mn-cs"/>
+              </a:rPr>
+              <a:t>Dim words As String() = </a:t>
+            </a:r>
+            <a:r>
+              <a:rPr lang="en-US" sz="1400" kern="1200" dirty="0" err="1" smtClean="0">
+                <a:solidFill>
+                  <a:schemeClr val="tx1"/>
+                </a:solidFill>
+                <a:latin typeface="Times New Roman" pitchFamily="18" charset="0"/>
+                <a:ea typeface="+mn-ea"/>
+                <a:cs typeface="+mn-cs"/>
+              </a:rPr>
+              <a:t>txtname.Text.Split</a:t>
+            </a:r>
+            <a:r>
+              <a:rPr lang="en-US" sz="1400" kern="1200" dirty="0" smtClean="0">
+                <a:solidFill>
+                  <a:schemeClr val="tx1"/>
+                </a:solidFill>
+                <a:latin typeface="Times New Roman" pitchFamily="18" charset="0"/>
+                <a:ea typeface="+mn-ea"/>
+                <a:cs typeface="+mn-cs"/>
+              </a:rPr>
+              <a:t>() 'if no argument default is white-space is used to split string</a:t>
+            </a:r>
+          </a:p>
+          <a:p>
+            <a:endParaRPr lang="en-US" dirty="0" smtClean="0"/>
           </a:p>
           <a:p>
             <a:r>
@@ -1847,7 +2027,7 @@
             <a:fld id="{05A90189-2143-49D7-ABD9-687B848ED0CD}" type="datetime8">
               <a:rPr lang="en-US"/>
               <a:pPr/>
-              <a:t>11/18/13 07:21</a:t>
+              <a:t>6/4/15 15:05</a:t>
             </a:fld>
             <a:endParaRPr lang="en-US"/>
           </a:p>
@@ -1928,7 +2108,13 @@
             </a:r>
             <a:r>
               <a:rPr lang="en-US" baseline="0" dirty="0" smtClean="0"/>
-              <a:t> exceeds the number of characters in the string a runt-time error will occur.</a:t>
+              <a:t> exceeds the number of characters in the string a run-time error will occur.</a:t>
+            </a:r>
+          </a:p>
+          <a:p>
+            <a:r>
+              <a:rPr lang="en-US" baseline="0" dirty="0" smtClean="0"/>
+              <a:t>-&gt;If IndexOf9substring() doesn’t find substring it returns -1.</a:t>
             </a:r>
           </a:p>
           <a:p>
@@ -2066,7 +2252,7 @@
             </a:r>
             <a:r>
               <a:rPr lang="en-US" baseline="0" dirty="0" smtClean="0"/>
-              <a:t>(6, “ is a fun “             ‘Summer is a fun Time</a:t>
+              <a:t>(6, “ is a fun “ )           ‘Summer is a fun Time</a:t>
             </a:r>
           </a:p>
           <a:p>
@@ -2142,7 +2328,7 @@
             <a:fld id="{0ED709B8-3211-4BBD-B3F6-7C5C3AA96F86}" type="datetime8">
               <a:rPr lang="en-US"/>
               <a:pPr/>
-              <a:t>11/18/13 07:21</a:t>
+              <a:t>6/4/15 15:05</a:t>
             </a:fld>
             <a:endParaRPr lang="en-US"/>
           </a:p>
@@ -2225,76 +2411,314 @@
             </a:r>
             <a:r>
               <a:rPr lang="en-US" i="0" baseline="0" dirty="0" smtClean="0"/>
-              <a:t>which means that it must be used with the String class, not with a particular object. Example:</a:t>
-            </a:r>
-          </a:p>
-          <a:p>
-            <a:endParaRPr lang="en-US" dirty="0" smtClean="0"/>
-          </a:p>
-          <a:p>
-            <a:r>
-              <a:rPr lang="en-US" dirty="0" smtClean="0"/>
-              <a:t>Dim season As</a:t>
-            </a:r>
-            <a:r>
-              <a:rPr lang="en-US" baseline="0" dirty="0" smtClean="0"/>
-              <a:t> String = “</a:t>
-            </a:r>
-            <a:r>
-              <a:rPr lang="en-US" baseline="0" dirty="0" err="1" smtClean="0"/>
+              <a:t>which means that it must be used with the String class, not with a particular object. </a:t>
+            </a:r>
+            <a:r>
+              <a:rPr lang="en-US" i="0" baseline="0" dirty="0" err="1" smtClean="0"/>
+              <a:t>ConsoleApp</a:t>
+            </a:r>
+            <a:r>
+              <a:rPr lang="en-US" i="0" baseline="0" dirty="0" smtClean="0"/>
+              <a:t> Example:</a:t>
+            </a:r>
+          </a:p>
+          <a:p>
+            <a:endParaRPr lang="en-US" sz="1400" kern="1200" dirty="0" smtClean="0">
+              <a:solidFill>
+                <a:schemeClr val="tx1"/>
+              </a:solidFill>
+              <a:latin typeface="Times New Roman" pitchFamily="18" charset="0"/>
+              <a:ea typeface="+mn-ea"/>
+              <a:cs typeface="+mn-cs"/>
+            </a:endParaRPr>
+          </a:p>
+          <a:p>
+            <a:r>
+              <a:rPr lang="en-US" sz="1400" kern="1200" baseline="0" dirty="0" smtClean="0">
+                <a:solidFill>
+                  <a:schemeClr val="tx1"/>
+                </a:solidFill>
+                <a:latin typeface="Times New Roman" pitchFamily="18" charset="0"/>
+                <a:ea typeface="+mn-ea"/>
+                <a:cs typeface="+mn-cs"/>
+              </a:rPr>
+              <a:t>        </a:t>
+            </a:r>
+            <a:r>
+              <a:rPr lang="en-US" sz="1400" kern="1200" dirty="0" smtClean="0">
+                <a:solidFill>
+                  <a:schemeClr val="tx1"/>
+                </a:solidFill>
+                <a:latin typeface="Times New Roman" pitchFamily="18" charset="0"/>
+                <a:ea typeface="+mn-ea"/>
+                <a:cs typeface="+mn-cs"/>
+              </a:rPr>
+              <a:t>Dim season As String = "</a:t>
+            </a:r>
+            <a:r>
+              <a:rPr lang="en-US" sz="1400" kern="1200" dirty="0" err="1" smtClean="0">
+                <a:solidFill>
+                  <a:schemeClr val="tx1"/>
+                </a:solidFill>
+                <a:latin typeface="Times New Roman" pitchFamily="18" charset="0"/>
+                <a:ea typeface="+mn-ea"/>
+                <a:cs typeface="+mn-cs"/>
+              </a:rPr>
               <a:t>SummerTime</a:t>
             </a:r>
             <a:r>
-              <a:rPr lang="en-US" baseline="0" dirty="0" smtClean="0"/>
-              <a:t>”</a:t>
-            </a:r>
-          </a:p>
-          <a:p>
-            <a:r>
-              <a:rPr lang="en-US" dirty="0" smtClean="0"/>
-              <a:t>Dim</a:t>
-            </a:r>
-            <a:r>
-              <a:rPr lang="en-US" baseline="0" dirty="0" smtClean="0"/>
-              <a:t> message As String = “ is a fun time!”</a:t>
-            </a:r>
-            <a:endParaRPr lang="en-US" dirty="0" smtClean="0"/>
-          </a:p>
-          <a:p>
-            <a:r>
-              <a:rPr lang="en-US" dirty="0" smtClean="0"/>
-              <a:t>Dim </a:t>
-            </a:r>
-            <a:r>
-              <a:rPr lang="en-US" dirty="0" err="1" smtClean="0"/>
+              <a:rPr lang="en-US" sz="1400" kern="1200" dirty="0" smtClean="0">
+                <a:solidFill>
+                  <a:schemeClr val="tx1"/>
+                </a:solidFill>
+                <a:latin typeface="Times New Roman" pitchFamily="18" charset="0"/>
+                <a:ea typeface="+mn-ea"/>
+                <a:cs typeface="+mn-cs"/>
+              </a:rPr>
+              <a:t>"</a:t>
+            </a:r>
+          </a:p>
+          <a:p>
+            <a:r>
+              <a:rPr lang="en-US" sz="1400" kern="1200" dirty="0" smtClean="0">
+                <a:solidFill>
+                  <a:schemeClr val="tx1"/>
+                </a:solidFill>
+                <a:latin typeface="Times New Roman" pitchFamily="18" charset="0"/>
+                <a:ea typeface="+mn-ea"/>
+                <a:cs typeface="+mn-cs"/>
+              </a:rPr>
+              <a:t>        Dim message As String = " is a fun time!"</a:t>
+            </a:r>
+          </a:p>
+          <a:p>
+            <a:r>
+              <a:rPr lang="en-US" sz="1400" kern="1200" dirty="0" smtClean="0">
+                <a:solidFill>
+                  <a:schemeClr val="tx1"/>
+                </a:solidFill>
+                <a:latin typeface="Times New Roman" pitchFamily="18" charset="0"/>
+                <a:ea typeface="+mn-ea"/>
+                <a:cs typeface="+mn-cs"/>
+              </a:rPr>
+              <a:t>        Dim </a:t>
+            </a:r>
+            <a:r>
+              <a:rPr lang="en-US" sz="1400" kern="1200" dirty="0" err="1" smtClean="0">
+                <a:solidFill>
+                  <a:schemeClr val="tx1"/>
+                </a:solidFill>
+                <a:latin typeface="Times New Roman" pitchFamily="18" charset="0"/>
+                <a:ea typeface="+mn-ea"/>
+                <a:cs typeface="+mn-cs"/>
+              </a:rPr>
               <a:t>newString</a:t>
             </a:r>
             <a:r>
-              <a:rPr lang="en-US" dirty="0" smtClean="0"/>
+              <a:rPr lang="en-US" sz="1400" kern="1200" dirty="0" smtClean="0">
+                <a:solidFill>
+                  <a:schemeClr val="tx1"/>
+                </a:solidFill>
+                <a:latin typeface="Times New Roman" pitchFamily="18" charset="0"/>
+                <a:ea typeface="+mn-ea"/>
+                <a:cs typeface="+mn-cs"/>
+              </a:rPr>
               <a:t> As String</a:t>
             </a:r>
           </a:p>
           <a:p>
-            <a:endParaRPr lang="en-US" dirty="0" smtClean="0"/>
-          </a:p>
-          <a:p>
-            <a:r>
-              <a:rPr lang="en-US" dirty="0" err="1" smtClean="0"/>
+            <a:endParaRPr lang="en-US" sz="1400" kern="1200" dirty="0" smtClean="0">
+              <a:solidFill>
+                <a:schemeClr val="tx1"/>
+              </a:solidFill>
+              <a:latin typeface="Times New Roman" pitchFamily="18" charset="0"/>
+              <a:ea typeface="+mn-ea"/>
+              <a:cs typeface="+mn-cs"/>
+            </a:endParaRPr>
+          </a:p>
+          <a:p>
+            <a:r>
+              <a:rPr lang="en-US" sz="1400" kern="1200" dirty="0" smtClean="0">
+                <a:solidFill>
+                  <a:schemeClr val="tx1"/>
+                </a:solidFill>
+                <a:latin typeface="Times New Roman" pitchFamily="18" charset="0"/>
+                <a:ea typeface="+mn-ea"/>
+                <a:cs typeface="+mn-cs"/>
+              </a:rPr>
+              <a:t>        </a:t>
+            </a:r>
+            <a:r>
+              <a:rPr lang="en-US" sz="1400" kern="1200" dirty="0" err="1" smtClean="0">
+                <a:solidFill>
+                  <a:schemeClr val="tx1"/>
+                </a:solidFill>
+                <a:latin typeface="Times New Roman" pitchFamily="18" charset="0"/>
+                <a:ea typeface="+mn-ea"/>
+                <a:cs typeface="+mn-cs"/>
+              </a:rPr>
               <a:t>newString</a:t>
             </a:r>
             <a:r>
-              <a:rPr lang="en-US" baseline="0" dirty="0" smtClean="0"/>
+              <a:rPr lang="en-US" sz="1400" kern="1200" dirty="0" smtClean="0">
+                <a:solidFill>
+                  <a:schemeClr val="tx1"/>
+                </a:solidFill>
+                <a:latin typeface="Times New Roman" pitchFamily="18" charset="0"/>
+                <a:ea typeface="+mn-ea"/>
+                <a:cs typeface="+mn-cs"/>
+              </a:rPr>
               <a:t> = </a:t>
             </a:r>
             <a:r>
-              <a:rPr lang="en-US" baseline="0" dirty="0" err="1" smtClean="0"/>
+              <a:rPr lang="en-US" sz="1400" kern="1200" dirty="0" err="1" smtClean="0">
+                <a:solidFill>
+                  <a:schemeClr val="tx1"/>
+                </a:solidFill>
+                <a:latin typeface="Times New Roman" pitchFamily="18" charset="0"/>
+                <a:ea typeface="+mn-ea"/>
+                <a:cs typeface="+mn-cs"/>
+              </a:rPr>
               <a:t>String.Concat</a:t>
             </a:r>
             <a:r>
-              <a:rPr lang="en-US" baseline="0" dirty="0" smtClean="0"/>
-              <a:t>(season, message)          ‘Summertime is a fun time!</a:t>
-            </a:r>
-            <a:endParaRPr lang="en-US" dirty="0" smtClean="0"/>
+              <a:rPr lang="en-US" sz="1400" kern="1200" dirty="0" smtClean="0">
+                <a:solidFill>
+                  <a:schemeClr val="tx1"/>
+                </a:solidFill>
+                <a:latin typeface="Times New Roman" pitchFamily="18" charset="0"/>
+                <a:ea typeface="+mn-ea"/>
+                <a:cs typeface="+mn-cs"/>
+              </a:rPr>
+              <a:t>(season, message)          'Summertime is a fun time!</a:t>
+            </a:r>
+          </a:p>
+          <a:p>
+            <a:r>
+              <a:rPr lang="en-US" sz="1400" kern="1200" dirty="0" smtClean="0">
+                <a:solidFill>
+                  <a:schemeClr val="tx1"/>
+                </a:solidFill>
+                <a:latin typeface="Times New Roman" pitchFamily="18" charset="0"/>
+                <a:ea typeface="+mn-ea"/>
+                <a:cs typeface="+mn-cs"/>
+              </a:rPr>
+              <a:t>        </a:t>
+            </a:r>
+            <a:r>
+              <a:rPr lang="en-US" sz="1400" kern="1200" dirty="0" err="1" smtClean="0">
+                <a:solidFill>
+                  <a:schemeClr val="tx1"/>
+                </a:solidFill>
+                <a:latin typeface="Times New Roman" pitchFamily="18" charset="0"/>
+                <a:ea typeface="+mn-ea"/>
+                <a:cs typeface="+mn-cs"/>
+              </a:rPr>
+              <a:t>Console.WriteLine</a:t>
+            </a:r>
+            <a:r>
+              <a:rPr lang="en-US" sz="1400" kern="1200" dirty="0" smtClean="0">
+                <a:solidFill>
+                  <a:schemeClr val="tx1"/>
+                </a:solidFill>
+                <a:latin typeface="Times New Roman" pitchFamily="18" charset="0"/>
+                <a:ea typeface="+mn-ea"/>
+                <a:cs typeface="+mn-cs"/>
+              </a:rPr>
+              <a:t>(season)</a:t>
+            </a:r>
+          </a:p>
+          <a:p>
+            <a:r>
+              <a:rPr lang="en-US" sz="1400" kern="1200" dirty="0" smtClean="0">
+                <a:solidFill>
+                  <a:schemeClr val="tx1"/>
+                </a:solidFill>
+                <a:latin typeface="Times New Roman" pitchFamily="18" charset="0"/>
+                <a:ea typeface="+mn-ea"/>
+                <a:cs typeface="+mn-cs"/>
+              </a:rPr>
+              <a:t>        </a:t>
+            </a:r>
+            <a:r>
+              <a:rPr lang="en-US" sz="1400" kern="1200" dirty="0" err="1" smtClean="0">
+                <a:solidFill>
+                  <a:schemeClr val="tx1"/>
+                </a:solidFill>
+                <a:latin typeface="Times New Roman" pitchFamily="18" charset="0"/>
+                <a:ea typeface="+mn-ea"/>
+                <a:cs typeface="+mn-cs"/>
+              </a:rPr>
+              <a:t>Console.WriteLine</a:t>
+            </a:r>
+            <a:r>
+              <a:rPr lang="en-US" sz="1400" kern="1200" dirty="0" smtClean="0">
+                <a:solidFill>
+                  <a:schemeClr val="tx1"/>
+                </a:solidFill>
+                <a:latin typeface="Times New Roman" pitchFamily="18" charset="0"/>
+                <a:ea typeface="+mn-ea"/>
+                <a:cs typeface="+mn-cs"/>
+              </a:rPr>
+              <a:t>(message)</a:t>
+            </a:r>
+          </a:p>
+          <a:p>
+            <a:r>
+              <a:rPr lang="en-US" sz="1400" kern="1200" dirty="0" smtClean="0">
+                <a:solidFill>
+                  <a:schemeClr val="tx1"/>
+                </a:solidFill>
+                <a:latin typeface="Times New Roman" pitchFamily="18" charset="0"/>
+                <a:ea typeface="+mn-ea"/>
+                <a:cs typeface="+mn-cs"/>
+              </a:rPr>
+              <a:t>        </a:t>
+            </a:r>
+            <a:r>
+              <a:rPr lang="en-US" sz="1400" kern="1200" dirty="0" err="1" smtClean="0">
+                <a:solidFill>
+                  <a:schemeClr val="tx1"/>
+                </a:solidFill>
+                <a:latin typeface="Times New Roman" pitchFamily="18" charset="0"/>
+                <a:ea typeface="+mn-ea"/>
+                <a:cs typeface="+mn-cs"/>
+              </a:rPr>
+              <a:t>Console.WriteLine</a:t>
+            </a:r>
+            <a:r>
+              <a:rPr lang="en-US" sz="1400" kern="1200" dirty="0" smtClean="0">
+                <a:solidFill>
+                  <a:schemeClr val="tx1"/>
+                </a:solidFill>
+                <a:latin typeface="Times New Roman" pitchFamily="18" charset="0"/>
+                <a:ea typeface="+mn-ea"/>
+                <a:cs typeface="+mn-cs"/>
+              </a:rPr>
+              <a:t>(</a:t>
+            </a:r>
+            <a:r>
+              <a:rPr lang="en-US" sz="1400" kern="1200" dirty="0" err="1" smtClean="0">
+                <a:solidFill>
+                  <a:schemeClr val="tx1"/>
+                </a:solidFill>
+                <a:latin typeface="Times New Roman" pitchFamily="18" charset="0"/>
+                <a:ea typeface="+mn-ea"/>
+                <a:cs typeface="+mn-cs"/>
+              </a:rPr>
+              <a:t>newString</a:t>
+            </a:r>
+            <a:r>
+              <a:rPr lang="en-US" sz="1400" kern="1200" dirty="0" smtClean="0">
+                <a:solidFill>
+                  <a:schemeClr val="tx1"/>
+                </a:solidFill>
+                <a:latin typeface="Times New Roman" pitchFamily="18" charset="0"/>
+                <a:ea typeface="+mn-ea"/>
+                <a:cs typeface="+mn-cs"/>
+              </a:rPr>
+              <a:t>)</a:t>
+            </a:r>
           </a:p>
         </p:txBody>
       </p:sp>
@@ -2343,7 +2767,7 @@
             <a:fld id="{0E909258-B2C3-4F00-8F84-93C141EBEF2B}" type="datetime8">
               <a:rPr lang="en-US"/>
               <a:pPr/>
-              <a:t>11/18/13 07:21</a:t>
+              <a:t>6/4/15 15:05</a:t>
             </a:fld>
             <a:endParaRPr lang="en-US"/>
           </a:p>
@@ -2405,8 +2829,12 @@
           <a:lstStyle/>
           <a:p>
             <a:r>
+              <a:rPr lang="en-US" dirty="0" err="1" smtClean="0"/>
+              <a:t>ConsoleApp</a:t>
+            </a:r>
+            <a:r>
               <a:rPr lang="en-US" dirty="0" smtClean="0"/>
-              <a:t>Example 1:</a:t>
+              <a:t> Example 1:</a:t>
             </a:r>
           </a:p>
           <a:p>
@@ -2426,12 +2854,23 @@
             </a:r>
           </a:p>
           <a:p>
-            <a:endParaRPr lang="en-US" baseline="0" dirty="0" smtClean="0"/>
-          </a:p>
-          <a:p>
+            <a:r>
+              <a:rPr lang="en-US" baseline="0" dirty="0" err="1" smtClean="0"/>
+              <a:t>Console.WriteLine</a:t>
+            </a:r>
+            <a:r>
+              <a:rPr lang="en-US" baseline="0" dirty="0" smtClean="0"/>
+              <a:t>(blanks)</a:t>
+            </a:r>
+          </a:p>
+          <a:p>
+            <a:r>
+              <a:rPr lang="en-US" dirty="0" err="1" smtClean="0"/>
+              <a:t>ConsoleApp</a:t>
+            </a:r>
             <a:r>
               <a:rPr lang="en-US" dirty="0" smtClean="0"/>
-              <a:t>Example 2:</a:t>
+              <a:t> Example 2:</a:t>
             </a:r>
           </a:p>
           <a:p>
@@ -2465,7 +2904,19 @@
           <a:p>
             <a:r>
               <a:rPr lang="en-US" dirty="0" smtClean="0"/>
-              <a:t>                                                                                       ‘Good-bye  </a:t>
+              <a:t> </a:t>
+            </a:r>
+            <a:r>
+              <a:rPr lang="en-US" dirty="0" err="1" smtClean="0"/>
+              <a:t>Console.WriteLine</a:t>
+            </a:r>
+            <a:r>
+              <a:rPr lang="en-US" smtClean="0"/>
+              <a:t>(message)                                                                                      </a:t>
+            </a:r>
+            <a:r>
+              <a:rPr lang="en-US" dirty="0" smtClean="0"/>
+              <a:t>‘Good-bye  </a:t>
             </a:r>
             <a:endParaRPr lang="en-US" dirty="0"/>
           </a:p>
@@ -2516,7 +2967,7 @@
             <a:fld id="{C56F7002-601D-4AD6-8D01-3AA0B467EE3A}" type="datetime8">
               <a:rPr lang="en-US"/>
               <a:pPr/>
-              <a:t>11/18/13 07:21</a:t>
+              <a:t>6/4/15 15:05</a:t>
             </a:fld>
             <a:endParaRPr lang="en-US"/>
           </a:p>
@@ -2626,7 +3077,7 @@
             <a:fld id="{617B7400-46BB-4BC3-991D-2E020D4E5643}" type="datetime8">
               <a:rPr lang="en-US"/>
               <a:pPr/>
-              <a:t>11/18/13 07:21</a:t>
+              <a:t>6/4/15 15:05</a:t>
             </a:fld>
             <a:endParaRPr lang="en-US"/>
           </a:p>
@@ -2691,6 +3142,509 @@
               <a:rPr lang="en-US" dirty="0" smtClean="0"/>
               <a:t>Unicode uses 2 bytes -&gt; 65,536 possible codes</a:t>
             </a:r>
+          </a:p>
+          <a:p>
+            <a:r>
+              <a:rPr lang="en-US" dirty="0" smtClean="0"/>
+              <a:t>Demo:</a:t>
+            </a:r>
+          </a:p>
+          <a:p>
+            <a:r>
+              <a:rPr lang="en-US" sz="1400" dirty="0" smtClean="0">
+                <a:solidFill>
+                  <a:srgbClr val="0000FF"/>
+                </a:solidFill>
+                <a:latin typeface="Consolas"/>
+              </a:rPr>
+              <a:t>Sub</a:t>
+            </a:r>
+            <a:r>
+              <a:rPr lang="en-US" sz="1400" dirty="0" smtClean="0">
+                <a:solidFill>
+                  <a:prstClr val="black"/>
+                </a:solidFill>
+                <a:latin typeface="Consolas"/>
+              </a:rPr>
+              <a:t> Main()</a:t>
+            </a:r>
+          </a:p>
+          <a:p>
+            <a:r>
+              <a:rPr lang="en-US" sz="1400" baseline="0" dirty="0" smtClean="0">
+                <a:solidFill>
+                  <a:prstClr val="black"/>
+                </a:solidFill>
+                <a:latin typeface="Consolas"/>
+              </a:rPr>
+              <a:t>        </a:t>
+            </a:r>
+            <a:r>
+              <a:rPr lang="en-US" sz="1400" dirty="0" err="1" smtClean="0">
+                <a:solidFill>
+                  <a:srgbClr val="2B91AF"/>
+                </a:solidFill>
+                <a:latin typeface="Consolas"/>
+              </a:rPr>
+              <a:t>Console</a:t>
+            </a:r>
+            <a:r>
+              <a:rPr lang="en-US" sz="1400" dirty="0" err="1" smtClean="0">
+                <a:solidFill>
+                  <a:prstClr val="black"/>
+                </a:solidFill>
+                <a:latin typeface="Consolas"/>
+              </a:rPr>
+              <a:t>.WriteLine</a:t>
+            </a:r>
+            <a:r>
+              <a:rPr lang="en-US" sz="1400" dirty="0" smtClean="0">
+                <a:solidFill>
+                  <a:prstClr val="black"/>
+                </a:solidFill>
+                <a:latin typeface="Consolas"/>
+              </a:rPr>
+              <a:t>(</a:t>
+            </a:r>
+            <a:r>
+              <a:rPr lang="en-US" sz="1400" dirty="0" err="1" smtClean="0">
+                <a:solidFill>
+                  <a:prstClr val="black"/>
+                </a:solidFill>
+                <a:latin typeface="Consolas"/>
+              </a:rPr>
+              <a:t>AscW</a:t>
+            </a:r>
+            <a:r>
+              <a:rPr lang="en-US" sz="1400" dirty="0" smtClean="0">
+                <a:solidFill>
+                  <a:prstClr val="black"/>
+                </a:solidFill>
+                <a:latin typeface="Consolas"/>
+              </a:rPr>
+              <a:t>(</a:t>
+            </a:r>
+            <a:r>
+              <a:rPr lang="en-US" sz="1400" dirty="0" smtClean="0">
+                <a:solidFill>
+                  <a:srgbClr val="A31515"/>
+                </a:solidFill>
+                <a:latin typeface="Consolas"/>
+              </a:rPr>
+              <a:t>"a"</a:t>
+            </a:r>
+            <a:r>
+              <a:rPr lang="en-US" sz="1400" dirty="0" smtClean="0">
+                <a:solidFill>
+                  <a:prstClr val="black"/>
+                </a:solidFill>
+                <a:latin typeface="Consolas"/>
+              </a:rPr>
+              <a:t>))</a:t>
+            </a:r>
+          </a:p>
+          <a:p>
+            <a:r>
+              <a:rPr lang="en-US" sz="1400" dirty="0" smtClean="0">
+                <a:solidFill>
+                  <a:prstClr val="black"/>
+                </a:solidFill>
+                <a:latin typeface="Consolas"/>
+              </a:rPr>
+              <a:t>        </a:t>
+            </a:r>
+            <a:r>
+              <a:rPr lang="en-US" sz="1400" dirty="0" err="1" smtClean="0">
+                <a:solidFill>
+                  <a:srgbClr val="2B91AF"/>
+                </a:solidFill>
+                <a:latin typeface="Consolas"/>
+              </a:rPr>
+              <a:t>Console</a:t>
+            </a:r>
+            <a:r>
+              <a:rPr lang="en-US" sz="1400" dirty="0" err="1" smtClean="0">
+                <a:solidFill>
+                  <a:prstClr val="black"/>
+                </a:solidFill>
+                <a:latin typeface="Consolas"/>
+              </a:rPr>
+              <a:t>.WriteLine</a:t>
+            </a:r>
+            <a:r>
+              <a:rPr lang="en-US" sz="1400" dirty="0" smtClean="0">
+                <a:solidFill>
+                  <a:prstClr val="black"/>
+                </a:solidFill>
+                <a:latin typeface="Consolas"/>
+              </a:rPr>
+              <a:t>(</a:t>
+            </a:r>
+            <a:r>
+              <a:rPr lang="en-US" sz="1400" dirty="0" err="1" smtClean="0">
+                <a:solidFill>
+                  <a:prstClr val="black"/>
+                </a:solidFill>
+                <a:latin typeface="Consolas"/>
+              </a:rPr>
+              <a:t>ChrW</a:t>
+            </a:r>
+            <a:r>
+              <a:rPr lang="en-US" sz="1400" dirty="0" smtClean="0">
+                <a:solidFill>
+                  <a:prstClr val="black"/>
+                </a:solidFill>
+                <a:latin typeface="Consolas"/>
+              </a:rPr>
+              <a:t>(97))</a:t>
+            </a:r>
+          </a:p>
+          <a:p>
+            <a:r>
+              <a:rPr lang="de-DE" sz="1400" dirty="0" smtClean="0">
+                <a:solidFill>
+                  <a:prstClr val="black"/>
+                </a:solidFill>
+                <a:latin typeface="Consolas"/>
+              </a:rPr>
+              <a:t> </a:t>
+            </a:r>
+            <a:r>
+              <a:rPr lang="de-DE" sz="1400" dirty="0" smtClean="0">
+                <a:solidFill>
+                  <a:srgbClr val="0000FF"/>
+                </a:solidFill>
+                <a:latin typeface="Consolas"/>
+              </a:rPr>
+              <a:t>End</a:t>
+            </a:r>
+            <a:r>
+              <a:rPr lang="de-DE" sz="1400" dirty="0" smtClean="0">
+                <a:solidFill>
+                  <a:prstClr val="black"/>
+                </a:solidFill>
+                <a:latin typeface="Consolas"/>
+              </a:rPr>
+              <a:t> </a:t>
+            </a:r>
+            <a:r>
+              <a:rPr lang="de-DE" sz="1400" dirty="0" smtClean="0">
+                <a:solidFill>
+                  <a:srgbClr val="0000FF"/>
+                </a:solidFill>
+                <a:latin typeface="Consolas"/>
+              </a:rPr>
+              <a:t>Sub</a:t>
+            </a:r>
+          </a:p>
+          <a:p>
+            <a:endParaRPr lang="de-DE" sz="1400" dirty="0" smtClean="0">
+              <a:solidFill>
+                <a:srgbClr val="0000FF"/>
+              </a:solidFill>
+              <a:latin typeface="Consolas"/>
+            </a:endParaRPr>
+          </a:p>
+          <a:p>
+            <a:r>
+              <a:rPr lang="de-DE" sz="1400" dirty="0" smtClean="0">
+                <a:solidFill>
+                  <a:srgbClr val="0000FF"/>
+                </a:solidFill>
+                <a:latin typeface="Consolas"/>
+              </a:rPr>
+              <a:t>Demo </a:t>
+            </a:r>
+            <a:r>
+              <a:rPr lang="de-DE" sz="1400" dirty="0" err="1" smtClean="0">
+                <a:solidFill>
+                  <a:srgbClr val="0000FF"/>
+                </a:solidFill>
+                <a:latin typeface="Consolas"/>
+              </a:rPr>
+              <a:t>for</a:t>
+            </a:r>
+            <a:r>
+              <a:rPr lang="de-DE" sz="1400" dirty="0" smtClean="0">
+                <a:solidFill>
+                  <a:srgbClr val="0000FF"/>
+                </a:solidFill>
+                <a:latin typeface="Consolas"/>
+              </a:rPr>
+              <a:t> </a:t>
+            </a:r>
+            <a:r>
+              <a:rPr lang="de-DE" sz="1400" dirty="0" err="1" smtClean="0">
+                <a:solidFill>
+                  <a:srgbClr val="0000FF"/>
+                </a:solidFill>
+                <a:latin typeface="Consolas"/>
+              </a:rPr>
+              <a:t>StrReverse</a:t>
+            </a:r>
+            <a:r>
+              <a:rPr lang="de-DE" sz="1400" dirty="0" smtClean="0">
+                <a:solidFill>
+                  <a:srgbClr val="0000FF"/>
+                </a:solidFill>
+                <a:latin typeface="Consolas"/>
+              </a:rPr>
+              <a:t>()-</a:t>
+            </a:r>
+            <a:r>
+              <a:rPr lang="de-DE" sz="1400" dirty="0" err="1" smtClean="0">
+                <a:solidFill>
+                  <a:srgbClr val="0000FF"/>
+                </a:solidFill>
+                <a:latin typeface="Consolas"/>
+              </a:rPr>
+              <a:t>console</a:t>
+            </a:r>
+            <a:r>
+              <a:rPr lang="de-DE" sz="1400" dirty="0" smtClean="0">
+                <a:solidFill>
+                  <a:srgbClr val="0000FF"/>
+                </a:solidFill>
+                <a:latin typeface="Consolas"/>
+              </a:rPr>
+              <a:t>:</a:t>
+            </a:r>
+          </a:p>
+          <a:p>
+            <a:endParaRPr lang="de-DE" sz="1400" dirty="0" smtClean="0">
+              <a:solidFill>
+                <a:srgbClr val="0000FF"/>
+              </a:solidFill>
+              <a:latin typeface="Consolas"/>
+            </a:endParaRPr>
+          </a:p>
+          <a:p>
+            <a:r>
+              <a:rPr lang="en-US" sz="1400" kern="1200" dirty="0" smtClean="0">
+                <a:solidFill>
+                  <a:schemeClr val="tx1"/>
+                </a:solidFill>
+                <a:latin typeface="Times New Roman" pitchFamily="18" charset="0"/>
+                <a:ea typeface="+mn-ea"/>
+                <a:cs typeface="+mn-cs"/>
+              </a:rPr>
+              <a:t>Sub Main()</a:t>
+            </a:r>
+          </a:p>
+          <a:p>
+            <a:r>
+              <a:rPr lang="en-US" sz="1400" kern="1200" dirty="0" smtClean="0">
+                <a:solidFill>
+                  <a:schemeClr val="tx1"/>
+                </a:solidFill>
+                <a:latin typeface="Times New Roman" pitchFamily="18" charset="0"/>
+                <a:ea typeface="+mn-ea"/>
+                <a:cs typeface="+mn-cs"/>
+              </a:rPr>
+              <a:t>        Dim </a:t>
+            </a:r>
+            <a:r>
+              <a:rPr lang="en-US" sz="1400" kern="1200" dirty="0" err="1" smtClean="0">
+                <a:solidFill>
+                  <a:schemeClr val="tx1"/>
+                </a:solidFill>
+                <a:latin typeface="Times New Roman" pitchFamily="18" charset="0"/>
+                <a:ea typeface="+mn-ea"/>
+                <a:cs typeface="+mn-cs"/>
+              </a:rPr>
+              <a:t>TestString</a:t>
+            </a:r>
+            <a:r>
+              <a:rPr lang="en-US" sz="1400" kern="1200" dirty="0" smtClean="0">
+                <a:solidFill>
+                  <a:schemeClr val="tx1"/>
+                </a:solidFill>
+                <a:latin typeface="Times New Roman" pitchFamily="18" charset="0"/>
+                <a:ea typeface="+mn-ea"/>
+                <a:cs typeface="+mn-cs"/>
+              </a:rPr>
+              <a:t> As String = "ABC DEFG"</a:t>
+            </a:r>
+          </a:p>
+          <a:p>
+            <a:r>
+              <a:rPr lang="en-US" sz="1400" kern="1200" dirty="0" smtClean="0">
+                <a:solidFill>
+                  <a:schemeClr val="tx1"/>
+                </a:solidFill>
+                <a:latin typeface="Times New Roman" pitchFamily="18" charset="0"/>
+                <a:ea typeface="+mn-ea"/>
+                <a:cs typeface="+mn-cs"/>
+              </a:rPr>
+              <a:t>        ' Returns "GFED CBA". </a:t>
+            </a:r>
+          </a:p>
+          <a:p>
+            <a:r>
+              <a:rPr lang="en-US" sz="1400" kern="1200" dirty="0" smtClean="0">
+                <a:solidFill>
+                  <a:schemeClr val="tx1"/>
+                </a:solidFill>
+                <a:latin typeface="Times New Roman" pitchFamily="18" charset="0"/>
+                <a:ea typeface="+mn-ea"/>
+                <a:cs typeface="+mn-cs"/>
+              </a:rPr>
+              <a:t>        Dim </a:t>
+            </a:r>
+            <a:r>
+              <a:rPr lang="en-US" sz="1400" kern="1200" dirty="0" err="1" smtClean="0">
+                <a:solidFill>
+                  <a:schemeClr val="tx1"/>
+                </a:solidFill>
+                <a:latin typeface="Times New Roman" pitchFamily="18" charset="0"/>
+                <a:ea typeface="+mn-ea"/>
+                <a:cs typeface="+mn-cs"/>
+              </a:rPr>
+              <a:t>revString</a:t>
+            </a:r>
+            <a:r>
+              <a:rPr lang="en-US" sz="1400" kern="1200" dirty="0" smtClean="0">
+                <a:solidFill>
+                  <a:schemeClr val="tx1"/>
+                </a:solidFill>
+                <a:latin typeface="Times New Roman" pitchFamily="18" charset="0"/>
+                <a:ea typeface="+mn-ea"/>
+                <a:cs typeface="+mn-cs"/>
+              </a:rPr>
+              <a:t> As String = </a:t>
+            </a:r>
+            <a:r>
+              <a:rPr lang="en-US" sz="1400" kern="1200" dirty="0" err="1" smtClean="0">
+                <a:solidFill>
+                  <a:schemeClr val="tx1"/>
+                </a:solidFill>
+                <a:latin typeface="Times New Roman" pitchFamily="18" charset="0"/>
+                <a:ea typeface="+mn-ea"/>
+                <a:cs typeface="+mn-cs"/>
+              </a:rPr>
+              <a:t>StrReverse</a:t>
+            </a:r>
+            <a:r>
+              <a:rPr lang="en-US" sz="1400" kern="1200" dirty="0" smtClean="0">
+                <a:solidFill>
+                  <a:schemeClr val="tx1"/>
+                </a:solidFill>
+                <a:latin typeface="Times New Roman" pitchFamily="18" charset="0"/>
+                <a:ea typeface="+mn-ea"/>
+                <a:cs typeface="+mn-cs"/>
+              </a:rPr>
+              <a:t>(</a:t>
+            </a:r>
+            <a:r>
+              <a:rPr lang="en-US" sz="1400" kern="1200" dirty="0" err="1" smtClean="0">
+                <a:solidFill>
+                  <a:schemeClr val="tx1"/>
+                </a:solidFill>
+                <a:latin typeface="Times New Roman" pitchFamily="18" charset="0"/>
+                <a:ea typeface="+mn-ea"/>
+                <a:cs typeface="+mn-cs"/>
+              </a:rPr>
+              <a:t>TestString</a:t>
+            </a:r>
+            <a:r>
+              <a:rPr lang="en-US" sz="1400" kern="1200" dirty="0" smtClean="0">
+                <a:solidFill>
+                  <a:schemeClr val="tx1"/>
+                </a:solidFill>
+                <a:latin typeface="Times New Roman" pitchFamily="18" charset="0"/>
+                <a:ea typeface="+mn-ea"/>
+                <a:cs typeface="+mn-cs"/>
+              </a:rPr>
+              <a:t>)</a:t>
+            </a:r>
+          </a:p>
+          <a:p>
+            <a:r>
+              <a:rPr lang="en-US" sz="1400" kern="1200" dirty="0" smtClean="0">
+                <a:solidFill>
+                  <a:schemeClr val="tx1"/>
+                </a:solidFill>
+                <a:latin typeface="Times New Roman" pitchFamily="18" charset="0"/>
+                <a:ea typeface="+mn-ea"/>
+                <a:cs typeface="+mn-cs"/>
+              </a:rPr>
+              <a:t>        </a:t>
+            </a:r>
+            <a:r>
+              <a:rPr lang="en-US" sz="1400" kern="1200" dirty="0" err="1" smtClean="0">
+                <a:solidFill>
+                  <a:schemeClr val="tx1"/>
+                </a:solidFill>
+                <a:latin typeface="Times New Roman" pitchFamily="18" charset="0"/>
+                <a:ea typeface="+mn-ea"/>
+                <a:cs typeface="+mn-cs"/>
+              </a:rPr>
+              <a:t>Console.WriteLine</a:t>
+            </a:r>
+            <a:r>
+              <a:rPr lang="en-US" sz="1400" kern="1200" dirty="0" smtClean="0">
+                <a:solidFill>
+                  <a:schemeClr val="tx1"/>
+                </a:solidFill>
+                <a:latin typeface="Times New Roman" pitchFamily="18" charset="0"/>
+                <a:ea typeface="+mn-ea"/>
+                <a:cs typeface="+mn-cs"/>
+              </a:rPr>
+              <a:t>(</a:t>
+            </a:r>
+            <a:r>
+              <a:rPr lang="en-US" sz="1400" kern="1200" dirty="0" err="1" smtClean="0">
+                <a:solidFill>
+                  <a:schemeClr val="tx1"/>
+                </a:solidFill>
+                <a:latin typeface="Times New Roman" pitchFamily="18" charset="0"/>
+                <a:ea typeface="+mn-ea"/>
+                <a:cs typeface="+mn-cs"/>
+              </a:rPr>
+              <a:t>revString</a:t>
+            </a:r>
+            <a:r>
+              <a:rPr lang="en-US" sz="1400" kern="1200" dirty="0" smtClean="0">
+                <a:solidFill>
+                  <a:schemeClr val="tx1"/>
+                </a:solidFill>
+                <a:latin typeface="Times New Roman" pitchFamily="18" charset="0"/>
+                <a:ea typeface="+mn-ea"/>
+                <a:cs typeface="+mn-cs"/>
+              </a:rPr>
+              <a:t>)</a:t>
+            </a:r>
+          </a:p>
+          <a:p>
+            <a:r>
+              <a:rPr lang="de-DE" sz="1400" kern="1200" dirty="0" smtClean="0">
+                <a:solidFill>
+                  <a:schemeClr val="tx1"/>
+                </a:solidFill>
+                <a:latin typeface="Times New Roman" pitchFamily="18" charset="0"/>
+                <a:ea typeface="+mn-ea"/>
+                <a:cs typeface="+mn-cs"/>
+              </a:rPr>
+              <a:t>    End Sub</a:t>
+            </a:r>
+          </a:p>
+          <a:p>
+            <a:endParaRPr lang="de-DE" sz="1400" dirty="0" smtClean="0">
+              <a:solidFill>
+                <a:srgbClr val="0000FF"/>
+              </a:solidFill>
+              <a:latin typeface="Consolas"/>
+            </a:endParaRPr>
+          </a:p>
+          <a:p>
+            <a:endParaRPr lang="de-DE" sz="1400" dirty="0" smtClean="0">
+              <a:solidFill>
+                <a:srgbClr val="0000FF"/>
+              </a:solidFill>
+              <a:latin typeface="Consolas"/>
+            </a:endParaRPr>
+          </a:p>
+          <a:p>
             <a:endParaRPr lang="en-US" dirty="0"/>
           </a:p>
         </p:txBody>
@@ -2740,7 +3694,7 @@
             <a:fld id="{75A87577-9CE0-4891-BE6E-8261DC9F6C17}" type="datetime8">
               <a:rPr lang="en-US"/>
               <a:pPr/>
-              <a:t>11/18/13 07:21</a:t>
+              <a:t>6/4/15 15:05</a:t>
             </a:fld>
             <a:endParaRPr lang="en-US"/>
           </a:p>
@@ -2803,147 +3757,593 @@
           <a:p>
             <a:r>
               <a:rPr lang="en-US" dirty="0" smtClean="0"/>
-              <a:t>Example:</a:t>
-            </a:r>
-          </a:p>
-          <a:p>
+              <a:t>Example</a:t>
+            </a:r>
+            <a:r>
+              <a:rPr lang="en-US" baseline="0" dirty="0" smtClean="0"/>
+              <a:t> ( Must be Windows app with a label=</a:t>
+            </a:r>
+            <a:r>
+              <a:rPr lang="en-US" baseline="0" dirty="0" err="1" smtClean="0"/>
+              <a:t>lblMessage</a:t>
+            </a:r>
+            <a:r>
+              <a:rPr lang="en-US" baseline="0" dirty="0" smtClean="0"/>
+              <a:t>, a button=</a:t>
+            </a:r>
+            <a:r>
+              <a:rPr lang="en-US" baseline="0" dirty="0" err="1" smtClean="0"/>
+              <a:t>btnGo</a:t>
+            </a:r>
+            <a:r>
+              <a:rPr lang="en-US" baseline="0" dirty="0" smtClean="0"/>
+              <a:t> and an </a:t>
+            </a:r>
+            <a:r>
+              <a:rPr lang="en-US" baseline="0" dirty="0" err="1" smtClean="0"/>
+              <a:t>btnGo_Click</a:t>
+            </a:r>
+            <a:r>
+              <a:rPr lang="en-US" baseline="0" dirty="0" smtClean="0"/>
+              <a:t> event procedure ). Change case-insensitive from true to false.</a:t>
+            </a:r>
             <a:endParaRPr lang="en-US" dirty="0" smtClean="0"/>
           </a:p>
           <a:p>
-            <a:r>
-              <a:rPr lang="en-US" dirty="0" smtClean="0"/>
-              <a:t>Dim</a:t>
-            </a:r>
-            <a:r>
-              <a:rPr lang="en-US" baseline="0" dirty="0" smtClean="0"/>
-              <a:t> name As String = “Chris”</a:t>
-            </a:r>
-          </a:p>
-          <a:p>
-            <a:r>
-              <a:rPr lang="en-US" baseline="0" dirty="0" smtClean="0"/>
-              <a:t>Dim </a:t>
-            </a:r>
-            <a:r>
-              <a:rPr lang="en-US" baseline="0" dirty="0" err="1" smtClean="0"/>
+            <a:endParaRPr lang="en-US" dirty="0" smtClean="0"/>
+          </a:p>
+          <a:p>
+            <a:r>
+              <a:rPr lang="en-US" sz="1400" kern="1200" dirty="0" smtClean="0">
+                <a:solidFill>
+                  <a:schemeClr val="tx1"/>
+                </a:solidFill>
+                <a:latin typeface="Times New Roman" pitchFamily="18" charset="0"/>
+                <a:ea typeface="+mn-ea"/>
+                <a:cs typeface="+mn-cs"/>
+              </a:rPr>
+              <a:t>Private Sub </a:t>
+            </a:r>
+            <a:r>
+              <a:rPr lang="en-US" sz="1400" kern="1200" dirty="0" err="1" smtClean="0">
+                <a:solidFill>
+                  <a:schemeClr val="tx1"/>
+                </a:solidFill>
+                <a:latin typeface="Times New Roman" pitchFamily="18" charset="0"/>
+                <a:ea typeface="+mn-ea"/>
+                <a:cs typeface="+mn-cs"/>
+              </a:rPr>
+              <a:t>btnGo_Click</a:t>
+            </a:r>
+            <a:r>
+              <a:rPr lang="en-US" sz="1400" kern="1200" dirty="0" smtClean="0">
+                <a:solidFill>
+                  <a:schemeClr val="tx1"/>
+                </a:solidFill>
+                <a:latin typeface="Times New Roman" pitchFamily="18" charset="0"/>
+                <a:ea typeface="+mn-ea"/>
+                <a:cs typeface="+mn-cs"/>
+              </a:rPr>
+              <a:t>(sender As </a:t>
+            </a:r>
+            <a:r>
+              <a:rPr lang="en-US" sz="1400" kern="1200" dirty="0" err="1" smtClean="0">
+                <a:solidFill>
+                  <a:schemeClr val="tx1"/>
+                </a:solidFill>
+                <a:latin typeface="Times New Roman" pitchFamily="18" charset="0"/>
+                <a:ea typeface="+mn-ea"/>
+                <a:cs typeface="+mn-cs"/>
+              </a:rPr>
+              <a:t>System.Object</a:t>
+            </a:r>
+            <a:r>
+              <a:rPr lang="en-US" sz="1400" kern="1200" dirty="0" smtClean="0">
+                <a:solidFill>
+                  <a:schemeClr val="tx1"/>
+                </a:solidFill>
+                <a:latin typeface="Times New Roman" pitchFamily="18" charset="0"/>
+                <a:ea typeface="+mn-ea"/>
+                <a:cs typeface="+mn-cs"/>
+              </a:rPr>
+              <a:t>, e As </a:t>
+            </a:r>
+            <a:r>
+              <a:rPr lang="en-US" sz="1400" kern="1200" dirty="0" err="1" smtClean="0">
+                <a:solidFill>
+                  <a:schemeClr val="tx1"/>
+                </a:solidFill>
+                <a:latin typeface="Times New Roman" pitchFamily="18" charset="0"/>
+                <a:ea typeface="+mn-ea"/>
+                <a:cs typeface="+mn-cs"/>
+              </a:rPr>
+              <a:t>System.EventArgs</a:t>
+            </a:r>
+            <a:r>
+              <a:rPr lang="en-US" sz="1400" kern="1200" dirty="0" smtClean="0">
+                <a:solidFill>
+                  <a:schemeClr val="tx1"/>
+                </a:solidFill>
+                <a:latin typeface="Times New Roman" pitchFamily="18" charset="0"/>
+                <a:ea typeface="+mn-ea"/>
+                <a:cs typeface="+mn-cs"/>
+              </a:rPr>
+              <a:t>) Handles </a:t>
+            </a:r>
+            <a:r>
+              <a:rPr lang="en-US" sz="1400" kern="1200" dirty="0" err="1" smtClean="0">
+                <a:solidFill>
+                  <a:schemeClr val="tx1"/>
+                </a:solidFill>
+                <a:latin typeface="Times New Roman" pitchFamily="18" charset="0"/>
+                <a:ea typeface="+mn-ea"/>
+                <a:cs typeface="+mn-cs"/>
+              </a:rPr>
+              <a:t>btnGo.Click</a:t>
+            </a:r>
+            <a:endParaRPr lang="en-US" sz="1400" kern="1200" dirty="0" smtClean="0">
+              <a:solidFill>
+                <a:schemeClr val="tx1"/>
+              </a:solidFill>
+              <a:latin typeface="Times New Roman" pitchFamily="18" charset="0"/>
+              <a:ea typeface="+mn-ea"/>
+              <a:cs typeface="+mn-cs"/>
+            </a:endParaRPr>
+          </a:p>
+          <a:p>
+            <a:r>
+              <a:rPr lang="en-US" sz="1400" kern="1200" dirty="0" smtClean="0">
+                <a:solidFill>
+                  <a:schemeClr val="tx1"/>
+                </a:solidFill>
+                <a:latin typeface="Times New Roman" pitchFamily="18" charset="0"/>
+                <a:ea typeface="+mn-ea"/>
+                <a:cs typeface="+mn-cs"/>
+              </a:rPr>
+              <a:t>        Dim name1 As String = "Chris"</a:t>
+            </a:r>
+          </a:p>
+          <a:p>
+            <a:r>
+              <a:rPr lang="en-US" sz="1400" kern="1200" dirty="0" smtClean="0">
+                <a:solidFill>
+                  <a:schemeClr val="tx1"/>
+                </a:solidFill>
+                <a:latin typeface="Times New Roman" pitchFamily="18" charset="0"/>
+                <a:ea typeface="+mn-ea"/>
+                <a:cs typeface="+mn-cs"/>
+              </a:rPr>
+              <a:t>        Dim </a:t>
+            </a:r>
+            <a:r>
+              <a:rPr lang="en-US" sz="1400" kern="1200" dirty="0" err="1" smtClean="0">
+                <a:solidFill>
+                  <a:schemeClr val="tx1"/>
+                </a:solidFill>
+                <a:latin typeface="Times New Roman" pitchFamily="18" charset="0"/>
+                <a:ea typeface="+mn-ea"/>
+                <a:cs typeface="+mn-cs"/>
+              </a:rPr>
               <a:t>newname</a:t>
             </a:r>
             <a:r>
-              <a:rPr lang="en-US" baseline="0" dirty="0" smtClean="0"/>
-              <a:t> As String</a:t>
-            </a:r>
-          </a:p>
-          <a:p>
-            <a:endParaRPr lang="en-US" baseline="0" dirty="0" smtClean="0"/>
-          </a:p>
-          <a:p>
-            <a:r>
-              <a:rPr lang="en-US" baseline="0" dirty="0" err="1" smtClean="0"/>
-              <a:t>newName</a:t>
-            </a:r>
-            <a:r>
-              <a:rPr lang="en-US" baseline="0" dirty="0" smtClean="0"/>
-              <a:t> = “</a:t>
-            </a:r>
-            <a:r>
-              <a:rPr lang="en-US" baseline="0" dirty="0" err="1" smtClean="0"/>
+              <a:rPr lang="en-US" sz="1400" kern="1200" dirty="0" smtClean="0">
+                <a:solidFill>
+                  <a:schemeClr val="tx1"/>
+                </a:solidFill>
+                <a:latin typeface="Times New Roman" pitchFamily="18" charset="0"/>
+                <a:ea typeface="+mn-ea"/>
+                <a:cs typeface="+mn-cs"/>
+              </a:rPr>
+              <a:t> As String = "</a:t>
+            </a:r>
+            <a:r>
+              <a:rPr lang="en-US" sz="1400" kern="1200" dirty="0" err="1" smtClean="0">
+                <a:solidFill>
+                  <a:schemeClr val="tx1"/>
+                </a:solidFill>
+                <a:latin typeface="Times New Roman" pitchFamily="18" charset="0"/>
+                <a:ea typeface="+mn-ea"/>
+                <a:cs typeface="+mn-cs"/>
+              </a:rPr>
               <a:t>chris</a:t>
             </a:r>
             <a:r>
-              <a:rPr lang="en-US" baseline="0" dirty="0" smtClean="0"/>
-              <a:t>”</a:t>
-            </a:r>
-          </a:p>
-          <a:p>
-            <a:r>
-              <a:rPr lang="en-US" baseline="0" dirty="0" smtClean="0"/>
-              <a:t>Select </a:t>
-            </a:r>
-            <a:r>
-              <a:rPr lang="en-US" baseline="0" dirty="0" err="1" smtClean="0"/>
+              <a:rPr lang="en-US" sz="1400" kern="1200" dirty="0" smtClean="0">
+                <a:solidFill>
+                  <a:schemeClr val="tx1"/>
+                </a:solidFill>
+                <a:latin typeface="Times New Roman" pitchFamily="18" charset="0"/>
+                <a:ea typeface="+mn-ea"/>
+                <a:cs typeface="+mn-cs"/>
+              </a:rPr>
+              <a:t>"</a:t>
+            </a:r>
+          </a:p>
+          <a:p>
+            <a:endParaRPr lang="en-US" sz="1400" kern="1200" dirty="0" smtClean="0">
+              <a:solidFill>
+                <a:schemeClr val="tx1"/>
+              </a:solidFill>
+              <a:latin typeface="Times New Roman" pitchFamily="18" charset="0"/>
+              <a:ea typeface="+mn-ea"/>
+              <a:cs typeface="+mn-cs"/>
+            </a:endParaRPr>
+          </a:p>
+          <a:p>
+            <a:r>
+              <a:rPr lang="en-US" sz="1400" kern="1200" dirty="0" smtClean="0">
+                <a:solidFill>
+                  <a:schemeClr val="tx1"/>
+                </a:solidFill>
+                <a:latin typeface="Times New Roman" pitchFamily="18" charset="0"/>
+                <a:ea typeface="+mn-ea"/>
+                <a:cs typeface="+mn-cs"/>
+              </a:rPr>
+              <a:t>        If </a:t>
+            </a:r>
+            <a:r>
+              <a:rPr lang="en-US" sz="1400" kern="1200" dirty="0" err="1" smtClean="0">
+                <a:solidFill>
+                  <a:schemeClr val="tx1"/>
+                </a:solidFill>
+                <a:latin typeface="Times New Roman" pitchFamily="18" charset="0"/>
+                <a:ea typeface="+mn-ea"/>
+                <a:cs typeface="+mn-cs"/>
+              </a:rPr>
               <a:t>String.Compare</a:t>
             </a:r>
             <a:r>
-              <a:rPr lang="en-US" baseline="0" dirty="0" smtClean="0"/>
-              <a:t>(name, </a:t>
-            </a:r>
-            <a:r>
-              <a:rPr lang="en-US" baseline="0" dirty="0" err="1" smtClean="0"/>
+              <a:rPr lang="en-US" sz="1400" kern="1200" dirty="0" smtClean="0">
+                <a:solidFill>
+                  <a:schemeClr val="tx1"/>
+                </a:solidFill>
+                <a:latin typeface="Times New Roman" pitchFamily="18" charset="0"/>
+                <a:ea typeface="+mn-ea"/>
+                <a:cs typeface="+mn-cs"/>
+              </a:rPr>
+              <a:t>(name1, </a:t>
+            </a:r>
+            <a:r>
+              <a:rPr lang="en-US" sz="1400" kern="1200" dirty="0" err="1" smtClean="0">
+                <a:solidFill>
+                  <a:schemeClr val="tx1"/>
+                </a:solidFill>
+                <a:latin typeface="Times New Roman" pitchFamily="18" charset="0"/>
+                <a:ea typeface="+mn-ea"/>
+                <a:cs typeface="+mn-cs"/>
+              </a:rPr>
               <a:t>newname</a:t>
             </a:r>
             <a:r>
-              <a:rPr lang="en-US" baseline="0" dirty="0" smtClean="0"/>
-              <a:t>, True)</a:t>
-            </a:r>
-          </a:p>
-          <a:p>
-            <a:r>
-              <a:rPr lang="en-US" baseline="0" dirty="0" smtClean="0"/>
-              <a:t>    Case 0</a:t>
-            </a:r>
-          </a:p>
-          <a:p>
-            <a:r>
-              <a:rPr lang="en-US" baseline="0" dirty="0" smtClean="0"/>
-              <a:t>           </a:t>
-            </a:r>
-            <a:r>
-              <a:rPr lang="en-US" baseline="0" dirty="0" err="1" smtClean="0"/>
+              <a:rPr lang="en-US" sz="1400" kern="1200" dirty="0" smtClean="0">
+                <a:solidFill>
+                  <a:schemeClr val="tx1"/>
+                </a:solidFill>
+                <a:latin typeface="Times New Roman" pitchFamily="18" charset="0"/>
+                <a:ea typeface="+mn-ea"/>
+                <a:cs typeface="+mn-cs"/>
+              </a:rPr>
+              <a:t>, True) = 0 Then</a:t>
+            </a:r>
+          </a:p>
+          <a:p>
+            <a:r>
+              <a:rPr lang="en-US" sz="1400" kern="1200" dirty="0" smtClean="0">
+                <a:solidFill>
+                  <a:schemeClr val="tx1"/>
+                </a:solidFill>
+                <a:latin typeface="Times New Roman" pitchFamily="18" charset="0"/>
+                <a:ea typeface="+mn-ea"/>
+                <a:cs typeface="+mn-cs"/>
+              </a:rPr>
+              <a:t>            </a:t>
+            </a:r>
+            <a:r>
+              <a:rPr lang="en-US" sz="1400" kern="1200" dirty="0" err="1" smtClean="0">
+                <a:solidFill>
+                  <a:schemeClr val="tx1"/>
+                </a:solidFill>
+                <a:latin typeface="Times New Roman" pitchFamily="18" charset="0"/>
+                <a:ea typeface="+mn-ea"/>
+                <a:cs typeface="+mn-cs"/>
+              </a:rPr>
               <a:t>Me.lblMessage.Text</a:t>
             </a:r>
             <a:r>
-              <a:rPr lang="en-US" baseline="0" dirty="0" smtClean="0"/>
-              <a:t> = “The same.”</a:t>
-            </a:r>
-          </a:p>
-          <a:p>
-            <a:r>
-              <a:rPr lang="en-US" baseline="0" dirty="0" smtClean="0"/>
-              <a:t>    Case Is &lt; 0</a:t>
-            </a:r>
-          </a:p>
-          <a:p>
-            <a:r>
-              <a:rPr lang="en-US" baseline="0" dirty="0" smtClean="0"/>
-              <a:t>           </a:t>
-            </a:r>
-            <a:r>
-              <a:rPr lang="en-US" baseline="0" dirty="0" err="1" smtClean="0"/>
+              <a:rPr lang="en-US" sz="1400" kern="1200" dirty="0" smtClean="0">
+                <a:solidFill>
+                  <a:schemeClr val="tx1"/>
+                </a:solidFill>
+                <a:latin typeface="Times New Roman" pitchFamily="18" charset="0"/>
+                <a:ea typeface="+mn-ea"/>
+                <a:cs typeface="+mn-cs"/>
+              </a:rPr>
+              <a:t> = "The same."</a:t>
+            </a:r>
+          </a:p>
+          <a:p>
+            <a:r>
+              <a:rPr lang="en-US" sz="1400" kern="1200" dirty="0" smtClean="0">
+                <a:solidFill>
+                  <a:schemeClr val="tx1"/>
+                </a:solidFill>
+                <a:latin typeface="Times New Roman" pitchFamily="18" charset="0"/>
+                <a:ea typeface="+mn-ea"/>
+                <a:cs typeface="+mn-cs"/>
+              </a:rPr>
+              <a:t>        </a:t>
+            </a:r>
+            <a:r>
+              <a:rPr lang="en-US" sz="1400" kern="1200" dirty="0" err="1" smtClean="0">
+                <a:solidFill>
+                  <a:schemeClr val="tx1"/>
+                </a:solidFill>
+                <a:latin typeface="Times New Roman" pitchFamily="18" charset="0"/>
+                <a:ea typeface="+mn-ea"/>
+                <a:cs typeface="+mn-cs"/>
+              </a:rPr>
+              <a:t>ElseIf</a:t>
+            </a:r>
+            <a:r>
+              <a:rPr lang="en-US" sz="1400" kern="1200" dirty="0" smtClean="0">
+                <a:solidFill>
+                  <a:schemeClr val="tx1"/>
+                </a:solidFill>
+                <a:latin typeface="Times New Roman" pitchFamily="18" charset="0"/>
+                <a:ea typeface="+mn-ea"/>
+                <a:cs typeface="+mn-cs"/>
+              </a:rPr>
+              <a:t> </a:t>
+            </a:r>
+            <a:r>
+              <a:rPr lang="en-US" sz="1400" kern="1200" dirty="0" err="1" smtClean="0">
+                <a:solidFill>
+                  <a:schemeClr val="tx1"/>
+                </a:solidFill>
+                <a:latin typeface="Times New Roman" pitchFamily="18" charset="0"/>
+                <a:ea typeface="+mn-ea"/>
+                <a:cs typeface="+mn-cs"/>
+              </a:rPr>
+              <a:t>String.Compare</a:t>
+            </a:r>
+            <a:r>
+              <a:rPr lang="en-US" sz="1400" kern="1200" dirty="0" smtClean="0">
+                <a:solidFill>
+                  <a:schemeClr val="tx1"/>
+                </a:solidFill>
+                <a:latin typeface="Times New Roman" pitchFamily="18" charset="0"/>
+                <a:ea typeface="+mn-ea"/>
+                <a:cs typeface="+mn-cs"/>
+              </a:rPr>
+              <a:t>(name1, </a:t>
+            </a:r>
+            <a:r>
+              <a:rPr lang="en-US" sz="1400" kern="1200" dirty="0" err="1" smtClean="0">
+                <a:solidFill>
+                  <a:schemeClr val="tx1"/>
+                </a:solidFill>
+                <a:latin typeface="Times New Roman" pitchFamily="18" charset="0"/>
+                <a:ea typeface="+mn-ea"/>
+                <a:cs typeface="+mn-cs"/>
+              </a:rPr>
+              <a:t>newname</a:t>
+            </a:r>
+            <a:r>
+              <a:rPr lang="en-US" sz="1400" kern="1200" dirty="0" smtClean="0">
+                <a:solidFill>
+                  <a:schemeClr val="tx1"/>
+                </a:solidFill>
+                <a:latin typeface="Times New Roman" pitchFamily="18" charset="0"/>
+                <a:ea typeface="+mn-ea"/>
+                <a:cs typeface="+mn-cs"/>
+              </a:rPr>
+              <a:t>, True) &gt; 0 Then</a:t>
+            </a:r>
+          </a:p>
+          <a:p>
+            <a:r>
+              <a:rPr lang="en-US" sz="1400" kern="1200" dirty="0" smtClean="0">
+                <a:solidFill>
+                  <a:schemeClr val="tx1"/>
+                </a:solidFill>
+                <a:latin typeface="Times New Roman" pitchFamily="18" charset="0"/>
+                <a:ea typeface="+mn-ea"/>
+                <a:cs typeface="+mn-cs"/>
+              </a:rPr>
+              <a:t>            </a:t>
+            </a:r>
+            <a:r>
+              <a:rPr lang="en-US" sz="1400" kern="1200" dirty="0" err="1" smtClean="0">
+                <a:solidFill>
+                  <a:schemeClr val="tx1"/>
+                </a:solidFill>
+                <a:latin typeface="Times New Roman" pitchFamily="18" charset="0"/>
+                <a:ea typeface="+mn-ea"/>
+                <a:cs typeface="+mn-cs"/>
+              </a:rPr>
               <a:t>Me.lblMessage.Text</a:t>
             </a:r>
             <a:r>
-              <a:rPr lang="en-US" baseline="0" dirty="0" smtClean="0"/>
-              <a:t> = “Alphabetically before.”</a:t>
-            </a:r>
-          </a:p>
-          <a:p>
-            <a:r>
-              <a:rPr lang="en-US" baseline="0" dirty="0" smtClean="0"/>
-              <a:t>    Case Is &gt; 0</a:t>
-            </a:r>
-          </a:p>
-          <a:p>
-            <a:r>
-              <a:rPr lang="en-US" baseline="0" dirty="0" smtClean="0"/>
-              <a:t>           </a:t>
-            </a:r>
-            <a:r>
-              <a:rPr lang="en-US" baseline="0" dirty="0" err="1" smtClean="0"/>
-              <a:t>Me.lbl.Message.Text</a:t>
-            </a:r>
-            <a:r>
-              <a:rPr lang="en-US" baseline="0" dirty="0" smtClean="0"/>
-              <a:t> = “Alphabetically after.”</a:t>
-            </a:r>
-          </a:p>
-          <a:p>
-            <a:r>
-              <a:rPr lang="en-US" baseline="0" dirty="0" smtClean="0"/>
-              <a:t>End Select</a:t>
-            </a:r>
-          </a:p>
-          <a:p>
-            <a:endParaRPr lang="en-US" dirty="0"/>
+              <a:rPr lang="en-US" sz="1400" kern="1200" dirty="0" smtClean="0">
+                <a:solidFill>
+                  <a:schemeClr val="tx1"/>
+                </a:solidFill>
+                <a:latin typeface="Times New Roman" pitchFamily="18" charset="0"/>
+                <a:ea typeface="+mn-ea"/>
+                <a:cs typeface="+mn-cs"/>
+              </a:rPr>
+              <a:t> = "Alphabetically before."</a:t>
+            </a:r>
+          </a:p>
+          <a:p>
+            <a:r>
+              <a:rPr lang="en-US" sz="1400" kern="1200" dirty="0" smtClean="0">
+                <a:solidFill>
+                  <a:schemeClr val="tx1"/>
+                </a:solidFill>
+                <a:latin typeface="Times New Roman" pitchFamily="18" charset="0"/>
+                <a:ea typeface="+mn-ea"/>
+                <a:cs typeface="+mn-cs"/>
+              </a:rPr>
+              <a:t>        </a:t>
+            </a:r>
+            <a:r>
+              <a:rPr lang="en-US" sz="1400" kern="1200" dirty="0" err="1" smtClean="0">
+                <a:solidFill>
+                  <a:schemeClr val="tx1"/>
+                </a:solidFill>
+                <a:latin typeface="Times New Roman" pitchFamily="18" charset="0"/>
+                <a:ea typeface="+mn-ea"/>
+                <a:cs typeface="+mn-cs"/>
+              </a:rPr>
+              <a:t>ElseIf</a:t>
+            </a:r>
+            <a:r>
+              <a:rPr lang="en-US" sz="1400" kern="1200" dirty="0" smtClean="0">
+                <a:solidFill>
+                  <a:schemeClr val="tx1"/>
+                </a:solidFill>
+                <a:latin typeface="Times New Roman" pitchFamily="18" charset="0"/>
+                <a:ea typeface="+mn-ea"/>
+                <a:cs typeface="+mn-cs"/>
+              </a:rPr>
+              <a:t> </a:t>
+            </a:r>
+            <a:r>
+              <a:rPr lang="en-US" sz="1400" kern="1200" dirty="0" err="1" smtClean="0">
+                <a:solidFill>
+                  <a:schemeClr val="tx1"/>
+                </a:solidFill>
+                <a:latin typeface="Times New Roman" pitchFamily="18" charset="0"/>
+                <a:ea typeface="+mn-ea"/>
+                <a:cs typeface="+mn-cs"/>
+              </a:rPr>
+              <a:t>String.Compare</a:t>
+            </a:r>
+            <a:r>
+              <a:rPr lang="en-US" sz="1400" kern="1200" dirty="0" smtClean="0">
+                <a:solidFill>
+                  <a:schemeClr val="tx1"/>
+                </a:solidFill>
+                <a:latin typeface="Times New Roman" pitchFamily="18" charset="0"/>
+                <a:ea typeface="+mn-ea"/>
+                <a:cs typeface="+mn-cs"/>
+              </a:rPr>
+              <a:t>(name1, </a:t>
+            </a:r>
+            <a:r>
+              <a:rPr lang="en-US" sz="1400" kern="1200" dirty="0" err="1" smtClean="0">
+                <a:solidFill>
+                  <a:schemeClr val="tx1"/>
+                </a:solidFill>
+                <a:latin typeface="Times New Roman" pitchFamily="18" charset="0"/>
+                <a:ea typeface="+mn-ea"/>
+                <a:cs typeface="+mn-cs"/>
+              </a:rPr>
+              <a:t>newname</a:t>
+            </a:r>
+            <a:r>
+              <a:rPr lang="en-US" sz="1400" kern="1200" dirty="0" smtClean="0">
+                <a:solidFill>
+                  <a:schemeClr val="tx1"/>
+                </a:solidFill>
+                <a:latin typeface="Times New Roman" pitchFamily="18" charset="0"/>
+                <a:ea typeface="+mn-ea"/>
+                <a:cs typeface="+mn-cs"/>
+              </a:rPr>
+              <a:t>, True) &gt; 0 Then</a:t>
+            </a:r>
+          </a:p>
+          <a:p>
+            <a:r>
+              <a:rPr lang="en-US" sz="1400" kern="1200" dirty="0" smtClean="0">
+                <a:solidFill>
+                  <a:schemeClr val="tx1"/>
+                </a:solidFill>
+                <a:latin typeface="Times New Roman" pitchFamily="18" charset="0"/>
+                <a:ea typeface="+mn-ea"/>
+                <a:cs typeface="+mn-cs"/>
+              </a:rPr>
+              <a:t>            </a:t>
+            </a:r>
+            <a:r>
+              <a:rPr lang="en-US" sz="1400" kern="1200" dirty="0" err="1" smtClean="0">
+                <a:solidFill>
+                  <a:schemeClr val="tx1"/>
+                </a:solidFill>
+                <a:latin typeface="Times New Roman" pitchFamily="18" charset="0"/>
+                <a:ea typeface="+mn-ea"/>
+                <a:cs typeface="+mn-cs"/>
+              </a:rPr>
+              <a:t>Me.lblMessage.Text</a:t>
+            </a:r>
+            <a:r>
+              <a:rPr lang="en-US" sz="1400" kern="1200" dirty="0" smtClean="0">
+                <a:solidFill>
+                  <a:schemeClr val="tx1"/>
+                </a:solidFill>
+                <a:latin typeface="Times New Roman" pitchFamily="18" charset="0"/>
+                <a:ea typeface="+mn-ea"/>
+                <a:cs typeface="+mn-cs"/>
+              </a:rPr>
+              <a:t> = "Alphabetically after."</a:t>
+            </a:r>
+          </a:p>
+          <a:p>
+            <a:endParaRPr lang="en-US" sz="1400" kern="1200" dirty="0" smtClean="0">
+              <a:solidFill>
+                <a:schemeClr val="tx1"/>
+              </a:solidFill>
+              <a:latin typeface="Times New Roman" pitchFamily="18" charset="0"/>
+              <a:ea typeface="+mn-ea"/>
+              <a:cs typeface="+mn-cs"/>
+            </a:endParaRPr>
+          </a:p>
+          <a:p>
+            <a:r>
+              <a:rPr lang="de-DE" sz="1400" kern="1200" dirty="0" smtClean="0">
+                <a:solidFill>
+                  <a:schemeClr val="tx1"/>
+                </a:solidFill>
+                <a:latin typeface="Times New Roman" pitchFamily="18" charset="0"/>
+                <a:ea typeface="+mn-ea"/>
+                <a:cs typeface="+mn-cs"/>
+              </a:rPr>
+              <a:t>        End </a:t>
+            </a:r>
+            <a:r>
+              <a:rPr lang="de-DE" sz="1400" kern="1200" dirty="0" err="1" smtClean="0">
+                <a:solidFill>
+                  <a:schemeClr val="tx1"/>
+                </a:solidFill>
+                <a:latin typeface="Times New Roman" pitchFamily="18" charset="0"/>
+                <a:ea typeface="+mn-ea"/>
+                <a:cs typeface="+mn-cs"/>
+              </a:rPr>
+              <a:t>If</a:t>
+            </a:r>
+            <a:endParaRPr lang="de-DE" sz="1400" kern="1200" dirty="0" smtClean="0">
+              <a:solidFill>
+                <a:schemeClr val="tx1"/>
+              </a:solidFill>
+              <a:latin typeface="Times New Roman" pitchFamily="18" charset="0"/>
+              <a:ea typeface="+mn-ea"/>
+              <a:cs typeface="+mn-cs"/>
+            </a:endParaRPr>
+          </a:p>
+          <a:p>
+            <a:r>
+              <a:rPr lang="de-DE" sz="1400" kern="1200" smtClean="0">
+                <a:solidFill>
+                  <a:schemeClr val="tx1"/>
+                </a:solidFill>
+                <a:latin typeface="Times New Roman" pitchFamily="18" charset="0"/>
+                <a:ea typeface="+mn-ea"/>
+                <a:cs typeface="+mn-cs"/>
+              </a:rPr>
+              <a:t>    End Sub</a:t>
+            </a:r>
           </a:p>
         </p:txBody>
       </p:sp>
@@ -2992,7 +4392,7 @@
             <a:fld id="{8A2DB9CD-4557-4150-B47D-600CACBB0AD6}" type="datetime8">
               <a:rPr lang="en-US"/>
               <a:pPr/>
-              <a:t>11/18/13 07:21</a:t>
+              <a:t>6/4/15 15:05</a:t>
             </a:fld>
             <a:endParaRPr lang="en-US"/>
           </a:p>
@@ -3063,6 +4463,17 @@
           </a:p>
           <a:p>
             <a:r>
+              <a:rPr lang="en-US" sz="1400" kern="1200" baseline="0" dirty="0" smtClean="0">
+                <a:solidFill>
+                  <a:schemeClr val="tx1"/>
+                </a:solidFill>
+                <a:latin typeface="Times New Roman" pitchFamily="18" charset="0"/>
+                <a:ea typeface="+mn-ea"/>
+                <a:cs typeface="+mn-cs"/>
+              </a:rPr>
+              <a:t>        </a:t>
+            </a:r>
+            <a:r>
               <a:rPr lang="en-US" sz="1400" kern="1200" dirty="0" smtClean="0">
                 <a:solidFill>
                   <a:schemeClr val="tx1"/>
@@ -3563,7 +4974,7 @@
               <a:t>Me.lblMessage.Text</a:t>
             </a:r>
             <a:r>
-              <a:rPr lang="en-US" sz="1400" kern="1200" smtClean="0">
+              <a:rPr lang="en-US" sz="1400" kern="1200" dirty="0" smtClean="0">
                 <a:solidFill>
                   <a:schemeClr val="tx1"/>
                 </a:solidFill>
@@ -3624,7 +5035,7 @@
             <a:fld id="{1C76E0AE-4FC7-4CB8-AB62-71BE1BC1B328}" type="datetime8">
               <a:rPr lang="en-US"/>
               <a:pPr/>
-              <a:t>11/18/13 07:21</a:t>
+              <a:t>6/4/15 15:05</a:t>
             </a:fld>
             <a:endParaRPr lang="en-US"/>
           </a:p>
@@ -3928,7 +5339,7 @@
             <a:fld id="{9D7CF3F6-00C5-457A-96DB-4733869C2AA0}" type="datetime8">
               <a:rPr lang="en-US"/>
               <a:pPr/>
-              <a:t>11/18/13 07:21</a:t>
+              <a:t>6/4/15 15:05</a:t>
             </a:fld>
             <a:endParaRPr lang="en-US"/>
           </a:p>
@@ -4694,7 +6105,7 @@
             <a:fld id="{898B650F-6D40-414E-8DC1-B3718CE28137}" type="datetime8">
               <a:rPr lang="en-US"/>
               <a:pPr/>
-              <a:t>11/18/13 07:21</a:t>
+              <a:t>6/4/15 15:05</a:t>
             </a:fld>
             <a:endParaRPr lang="en-US"/>
           </a:p>
@@ -5321,7 +6732,7 @@
             <a:fld id="{18D12BA5-FDFF-4A03-9776-EE35774CE2F6}" type="datetime8">
               <a:rPr lang="en-US"/>
               <a:pPr/>
-              <a:t>11/18/13 07:21</a:t>
+              <a:t>6/4/15 15:05</a:t>
             </a:fld>
             <a:endParaRPr lang="en-US"/>
           </a:p>
@@ -5435,7 +6846,7 @@
             <a:fld id="{B00280A4-61DD-483D-81E7-7D4D98639D67}" type="datetime8">
               <a:rPr lang="en-US"/>
               <a:pPr/>
-              <a:t>11/18/13 07:21</a:t>
+              <a:t>6/4/15 15:05</a:t>
             </a:fld>
             <a:endParaRPr lang="en-US"/>
           </a:p>
@@ -5545,7 +6956,7 @@
             <a:fld id="{D5AE8A79-CBD9-4535-932F-C4757CD80210}" type="datetime8">
               <a:rPr lang="en-US"/>
               <a:pPr/>
-              <a:t>11/18/13 07:21</a:t>
+              <a:t>6/4/15 15:05</a:t>
             </a:fld>
             <a:endParaRPr lang="en-US"/>
           </a:p>
@@ -5637,6 +7048,1026 @@
               </a:rPr>
               <a:t>Flowchart it before with students participation and bouncing answers.</a:t>
             </a:r>
+          </a:p>
+          <a:p>
+            <a:r>
+              <a:rPr lang="en-US" sz="1400" kern="1200" dirty="0" smtClean="0">
+                <a:solidFill>
+                  <a:schemeClr val="tx1"/>
+                </a:solidFill>
+                <a:latin typeface="Times New Roman" pitchFamily="18" charset="0"/>
+                <a:ea typeface="+mn-ea"/>
+                <a:cs typeface="+mn-cs"/>
+              </a:rPr>
+              <a:t>Public Class Form1</a:t>
+            </a:r>
+          </a:p>
+          <a:p>
+            <a:r>
+              <a:rPr lang="en-US" sz="1400" kern="1200" dirty="0" smtClean="0">
+                <a:solidFill>
+                  <a:schemeClr val="tx1"/>
+                </a:solidFill>
+                <a:latin typeface="Times New Roman" pitchFamily="18" charset="0"/>
+                <a:ea typeface="+mn-ea"/>
+                <a:cs typeface="+mn-cs"/>
+              </a:rPr>
+              <a:t>    Dim </a:t>
+            </a:r>
+            <a:r>
+              <a:rPr lang="en-US" sz="1400" kern="1200" dirty="0" err="1" smtClean="0">
+                <a:solidFill>
+                  <a:schemeClr val="tx1"/>
+                </a:solidFill>
+                <a:latin typeface="Times New Roman" pitchFamily="18" charset="0"/>
+                <a:ea typeface="+mn-ea"/>
+                <a:cs typeface="+mn-cs"/>
+              </a:rPr>
+              <a:t>numberOfScores</a:t>
+            </a:r>
+            <a:r>
+              <a:rPr lang="en-US" sz="1400" kern="1200" dirty="0" smtClean="0">
+                <a:solidFill>
+                  <a:schemeClr val="tx1"/>
+                </a:solidFill>
+                <a:latin typeface="Times New Roman" pitchFamily="18" charset="0"/>
+                <a:ea typeface="+mn-ea"/>
+                <a:cs typeface="+mn-cs"/>
+              </a:rPr>
+              <a:t> As Integer = 0</a:t>
+            </a:r>
+          </a:p>
+          <a:p>
+            <a:r>
+              <a:rPr lang="en-US" sz="1400" kern="1200" dirty="0" smtClean="0">
+                <a:solidFill>
+                  <a:schemeClr val="tx1"/>
+                </a:solidFill>
+                <a:latin typeface="Times New Roman" pitchFamily="18" charset="0"/>
+                <a:ea typeface="+mn-ea"/>
+                <a:cs typeface="+mn-cs"/>
+              </a:rPr>
+              <a:t>    Dim </a:t>
+            </a:r>
+            <a:r>
+              <a:rPr lang="en-US" sz="1400" kern="1200" dirty="0" err="1" smtClean="0">
+                <a:solidFill>
+                  <a:schemeClr val="tx1"/>
+                </a:solidFill>
+                <a:latin typeface="Times New Roman" pitchFamily="18" charset="0"/>
+                <a:ea typeface="+mn-ea"/>
+                <a:cs typeface="+mn-cs"/>
+              </a:rPr>
+              <a:t>sumOfScores</a:t>
+            </a:r>
+            <a:r>
+              <a:rPr lang="en-US" sz="1400" kern="1200" dirty="0" smtClean="0">
+                <a:solidFill>
+                  <a:schemeClr val="tx1"/>
+                </a:solidFill>
+                <a:latin typeface="Times New Roman" pitchFamily="18" charset="0"/>
+                <a:ea typeface="+mn-ea"/>
+                <a:cs typeface="+mn-cs"/>
+              </a:rPr>
+              <a:t> As Integer = 0</a:t>
+            </a:r>
+          </a:p>
+          <a:p>
+            <a:r>
+              <a:rPr lang="en-US" sz="1400" kern="1200" dirty="0" smtClean="0">
+                <a:solidFill>
+                  <a:schemeClr val="tx1"/>
+                </a:solidFill>
+                <a:latin typeface="Times New Roman" pitchFamily="18" charset="0"/>
+                <a:ea typeface="+mn-ea"/>
+                <a:cs typeface="+mn-cs"/>
+              </a:rPr>
+              <a:t>    Private Sub </a:t>
+            </a:r>
+            <a:r>
+              <a:rPr lang="en-US" sz="1400" kern="1200" dirty="0" err="1" smtClean="0">
+                <a:solidFill>
+                  <a:schemeClr val="tx1"/>
+                </a:solidFill>
+                <a:latin typeface="Times New Roman" pitchFamily="18" charset="0"/>
+                <a:ea typeface="+mn-ea"/>
+                <a:cs typeface="+mn-cs"/>
+              </a:rPr>
+              <a:t>btnEnterScore_Click</a:t>
+            </a:r>
+            <a:r>
+              <a:rPr lang="en-US" sz="1400" kern="1200" dirty="0" smtClean="0">
+                <a:solidFill>
+                  <a:schemeClr val="tx1"/>
+                </a:solidFill>
+                <a:latin typeface="Times New Roman" pitchFamily="18" charset="0"/>
+                <a:ea typeface="+mn-ea"/>
+                <a:cs typeface="+mn-cs"/>
+              </a:rPr>
+              <a:t>(</a:t>
+            </a:r>
+            <a:r>
+              <a:rPr lang="en-US" sz="1400" kern="1200" dirty="0" err="1" smtClean="0">
+                <a:solidFill>
+                  <a:schemeClr val="tx1"/>
+                </a:solidFill>
+                <a:latin typeface="Times New Roman" pitchFamily="18" charset="0"/>
+                <a:ea typeface="+mn-ea"/>
+                <a:cs typeface="+mn-cs"/>
+              </a:rPr>
+              <a:t>ByVal</a:t>
+            </a:r>
+            <a:r>
+              <a:rPr lang="en-US" sz="1400" kern="1200" dirty="0" smtClean="0">
+                <a:solidFill>
+                  <a:schemeClr val="tx1"/>
+                </a:solidFill>
+                <a:latin typeface="Times New Roman" pitchFamily="18" charset="0"/>
+                <a:ea typeface="+mn-ea"/>
+                <a:cs typeface="+mn-cs"/>
+              </a:rPr>
+              <a:t> sender As </a:t>
+            </a:r>
+            <a:r>
+              <a:rPr lang="en-US" sz="1400" kern="1200" dirty="0" err="1" smtClean="0">
+                <a:solidFill>
+                  <a:schemeClr val="tx1"/>
+                </a:solidFill>
+                <a:latin typeface="Times New Roman" pitchFamily="18" charset="0"/>
+                <a:ea typeface="+mn-ea"/>
+                <a:cs typeface="+mn-cs"/>
+              </a:rPr>
+              <a:t>System.Object</a:t>
+            </a:r>
+            <a:r>
+              <a:rPr lang="en-US" sz="1400" kern="1200" dirty="0" smtClean="0">
+                <a:solidFill>
+                  <a:schemeClr val="tx1"/>
+                </a:solidFill>
+                <a:latin typeface="Times New Roman" pitchFamily="18" charset="0"/>
+                <a:ea typeface="+mn-ea"/>
+                <a:cs typeface="+mn-cs"/>
+              </a:rPr>
+              <a:t>, </a:t>
+            </a:r>
+            <a:r>
+              <a:rPr lang="en-US" sz="1400" kern="1200" dirty="0" err="1" smtClean="0">
+                <a:solidFill>
+                  <a:schemeClr val="tx1"/>
+                </a:solidFill>
+                <a:latin typeface="Times New Roman" pitchFamily="18" charset="0"/>
+                <a:ea typeface="+mn-ea"/>
+                <a:cs typeface="+mn-cs"/>
+              </a:rPr>
+              <a:t>ByVal</a:t>
+            </a:r>
+            <a:r>
+              <a:rPr lang="en-US" sz="1400" kern="1200" dirty="0" smtClean="0">
+                <a:solidFill>
+                  <a:schemeClr val="tx1"/>
+                </a:solidFill>
+                <a:latin typeface="Times New Roman" pitchFamily="18" charset="0"/>
+                <a:ea typeface="+mn-ea"/>
+                <a:cs typeface="+mn-cs"/>
+              </a:rPr>
+              <a:t> e As </a:t>
+            </a:r>
+            <a:r>
+              <a:rPr lang="en-US" sz="1400" kern="1200" dirty="0" err="1" smtClean="0">
+                <a:solidFill>
+                  <a:schemeClr val="tx1"/>
+                </a:solidFill>
+                <a:latin typeface="Times New Roman" pitchFamily="18" charset="0"/>
+                <a:ea typeface="+mn-ea"/>
+                <a:cs typeface="+mn-cs"/>
+              </a:rPr>
+              <a:t>System.EventArgs</a:t>
+            </a:r>
+            <a:r>
+              <a:rPr lang="en-US" sz="1400" kern="1200" dirty="0" smtClean="0">
+                <a:solidFill>
+                  <a:schemeClr val="tx1"/>
+                </a:solidFill>
+                <a:latin typeface="Times New Roman" pitchFamily="18" charset="0"/>
+                <a:ea typeface="+mn-ea"/>
+                <a:cs typeface="+mn-cs"/>
+              </a:rPr>
+              <a:t>) Handles </a:t>
+            </a:r>
+            <a:r>
+              <a:rPr lang="en-US" sz="1400" kern="1200" dirty="0" err="1" smtClean="0">
+                <a:solidFill>
+                  <a:schemeClr val="tx1"/>
+                </a:solidFill>
+                <a:latin typeface="Times New Roman" pitchFamily="18" charset="0"/>
+                <a:ea typeface="+mn-ea"/>
+                <a:cs typeface="+mn-cs"/>
+              </a:rPr>
+              <a:t>btnEnterScore.Click</a:t>
+            </a:r>
+            <a:endParaRPr lang="en-US" sz="1400" kern="1200" dirty="0" smtClean="0">
+              <a:solidFill>
+                <a:schemeClr val="tx1"/>
+              </a:solidFill>
+              <a:latin typeface="Times New Roman" pitchFamily="18" charset="0"/>
+              <a:ea typeface="+mn-ea"/>
+              <a:cs typeface="+mn-cs"/>
+            </a:endParaRPr>
+          </a:p>
+          <a:p>
+            <a:r>
+              <a:rPr lang="en-US" sz="1400" kern="1200" dirty="0" smtClean="0">
+                <a:solidFill>
+                  <a:schemeClr val="tx1"/>
+                </a:solidFill>
+                <a:latin typeface="Times New Roman" pitchFamily="18" charset="0"/>
+                <a:ea typeface="+mn-ea"/>
+                <a:cs typeface="+mn-cs"/>
+              </a:rPr>
+              <a:t>        </a:t>
+            </a:r>
+            <a:r>
+              <a:rPr lang="en-US" sz="1400" kern="1200" dirty="0" err="1" smtClean="0">
+                <a:solidFill>
+                  <a:schemeClr val="tx1"/>
+                </a:solidFill>
+                <a:latin typeface="Times New Roman" pitchFamily="18" charset="0"/>
+                <a:ea typeface="+mn-ea"/>
+                <a:cs typeface="+mn-cs"/>
+              </a:rPr>
+              <a:t>Const</a:t>
+            </a:r>
+            <a:r>
+              <a:rPr lang="en-US" sz="1400" kern="1200" dirty="0" smtClean="0">
+                <a:solidFill>
+                  <a:schemeClr val="tx1"/>
+                </a:solidFill>
+                <a:latin typeface="Times New Roman" pitchFamily="18" charset="0"/>
+                <a:ea typeface="+mn-ea"/>
+                <a:cs typeface="+mn-cs"/>
+              </a:rPr>
+              <a:t> FLAG As Integer = -1</a:t>
+            </a:r>
+          </a:p>
+          <a:p>
+            <a:r>
+              <a:rPr lang="en-US" sz="1400" kern="1200" dirty="0" smtClean="0">
+                <a:solidFill>
+                  <a:schemeClr val="tx1"/>
+                </a:solidFill>
+                <a:latin typeface="Times New Roman" pitchFamily="18" charset="0"/>
+                <a:ea typeface="+mn-ea"/>
+                <a:cs typeface="+mn-cs"/>
+              </a:rPr>
+              <a:t>        Dim </a:t>
+            </a:r>
+            <a:r>
+              <a:rPr lang="en-US" sz="1400" kern="1200" dirty="0" err="1" smtClean="0">
+                <a:solidFill>
+                  <a:schemeClr val="tx1"/>
+                </a:solidFill>
+                <a:latin typeface="Times New Roman" pitchFamily="18" charset="0"/>
+                <a:ea typeface="+mn-ea"/>
+                <a:cs typeface="+mn-cs"/>
+              </a:rPr>
+              <a:t>tempScore</a:t>
+            </a:r>
+            <a:r>
+              <a:rPr lang="en-US" sz="1400" kern="1200" dirty="0" smtClean="0">
+                <a:solidFill>
+                  <a:schemeClr val="tx1"/>
+                </a:solidFill>
+                <a:latin typeface="Times New Roman" pitchFamily="18" charset="0"/>
+                <a:ea typeface="+mn-ea"/>
+                <a:cs typeface="+mn-cs"/>
+              </a:rPr>
+              <a:t> As String</a:t>
+            </a:r>
+          </a:p>
+          <a:p>
+            <a:r>
+              <a:rPr lang="en-US" sz="1400" kern="1200" dirty="0" smtClean="0">
+                <a:solidFill>
+                  <a:schemeClr val="tx1"/>
+                </a:solidFill>
+                <a:latin typeface="Times New Roman" pitchFamily="18" charset="0"/>
+                <a:ea typeface="+mn-ea"/>
+                <a:cs typeface="+mn-cs"/>
+              </a:rPr>
+              <a:t>        </a:t>
+            </a:r>
+            <a:r>
+              <a:rPr lang="en-US" sz="1400" kern="1200" dirty="0" err="1" smtClean="0">
+                <a:solidFill>
+                  <a:schemeClr val="tx1"/>
+                </a:solidFill>
+                <a:latin typeface="Times New Roman" pitchFamily="18" charset="0"/>
+                <a:ea typeface="+mn-ea"/>
+                <a:cs typeface="+mn-cs"/>
+              </a:rPr>
+              <a:t>numberOfScores</a:t>
+            </a:r>
+            <a:r>
+              <a:rPr lang="en-US" sz="1400" kern="1200" dirty="0" smtClean="0">
+                <a:solidFill>
+                  <a:schemeClr val="tx1"/>
+                </a:solidFill>
+                <a:latin typeface="Times New Roman" pitchFamily="18" charset="0"/>
+                <a:ea typeface="+mn-ea"/>
+                <a:cs typeface="+mn-cs"/>
+              </a:rPr>
+              <a:t> = 0</a:t>
+            </a:r>
+          </a:p>
+          <a:p>
+            <a:r>
+              <a:rPr lang="pt-BR" sz="1400" kern="1200" dirty="0" smtClean="0">
+                <a:solidFill>
+                  <a:schemeClr val="tx1"/>
+                </a:solidFill>
+                <a:latin typeface="Times New Roman" pitchFamily="18" charset="0"/>
+                <a:ea typeface="+mn-ea"/>
+                <a:cs typeface="+mn-cs"/>
+              </a:rPr>
+              <a:t>        </a:t>
+            </a:r>
+            <a:r>
+              <a:rPr lang="pt-BR" sz="1400" kern="1200" dirty="0" err="1" smtClean="0">
+                <a:solidFill>
+                  <a:schemeClr val="tx1"/>
+                </a:solidFill>
+                <a:latin typeface="Times New Roman" pitchFamily="18" charset="0"/>
+                <a:ea typeface="+mn-ea"/>
+                <a:cs typeface="+mn-cs"/>
+              </a:rPr>
+              <a:t>sumOfScores</a:t>
+            </a:r>
+            <a:r>
+              <a:rPr lang="pt-BR" sz="1400" kern="1200" dirty="0" smtClean="0">
+                <a:solidFill>
+                  <a:schemeClr val="tx1"/>
+                </a:solidFill>
+                <a:latin typeface="Times New Roman" pitchFamily="18" charset="0"/>
+                <a:ea typeface="+mn-ea"/>
+                <a:cs typeface="+mn-cs"/>
+              </a:rPr>
+              <a:t> = 0</a:t>
+            </a:r>
+          </a:p>
+          <a:p>
+            <a:endParaRPr lang="pt-BR" sz="1400" kern="1200" dirty="0" smtClean="0">
+              <a:solidFill>
+                <a:schemeClr val="tx1"/>
+              </a:solidFill>
+              <a:latin typeface="Times New Roman" pitchFamily="18" charset="0"/>
+              <a:ea typeface="+mn-ea"/>
+              <a:cs typeface="+mn-cs"/>
+            </a:endParaRPr>
+          </a:p>
+          <a:p>
+            <a:r>
+              <a:rPr lang="pt-BR" sz="1400" kern="1200" dirty="0" smtClean="0">
+                <a:solidFill>
+                  <a:schemeClr val="tx1"/>
+                </a:solidFill>
+                <a:latin typeface="Times New Roman" pitchFamily="18" charset="0"/>
+                <a:ea typeface="+mn-ea"/>
+                <a:cs typeface="+mn-cs"/>
+              </a:rPr>
+              <a:t>        </a:t>
+            </a:r>
+            <a:r>
+              <a:rPr lang="pt-BR" sz="1400" kern="1200" dirty="0" err="1" smtClean="0">
+                <a:solidFill>
+                  <a:schemeClr val="tx1"/>
+                </a:solidFill>
+                <a:latin typeface="Times New Roman" pitchFamily="18" charset="0"/>
+                <a:ea typeface="+mn-ea"/>
+                <a:cs typeface="+mn-cs"/>
+              </a:rPr>
+              <a:t>tempScore</a:t>
+            </a:r>
+            <a:r>
+              <a:rPr lang="pt-BR" sz="1400" kern="1200" dirty="0" smtClean="0">
+                <a:solidFill>
+                  <a:schemeClr val="tx1"/>
+                </a:solidFill>
+                <a:latin typeface="Times New Roman" pitchFamily="18" charset="0"/>
+                <a:ea typeface="+mn-ea"/>
+                <a:cs typeface="+mn-cs"/>
+              </a:rPr>
+              <a:t> = </a:t>
+            </a:r>
+            <a:r>
+              <a:rPr lang="pt-BR" sz="1400" kern="1200" dirty="0" err="1" smtClean="0">
+                <a:solidFill>
+                  <a:schemeClr val="tx1"/>
+                </a:solidFill>
+                <a:latin typeface="Times New Roman" pitchFamily="18" charset="0"/>
+                <a:ea typeface="+mn-ea"/>
+                <a:cs typeface="+mn-cs"/>
+              </a:rPr>
+              <a:t>InputBox</a:t>
+            </a:r>
+            <a:r>
+              <a:rPr lang="pt-BR" sz="1400" kern="1200" dirty="0" smtClean="0">
+                <a:solidFill>
+                  <a:schemeClr val="tx1"/>
+                </a:solidFill>
+                <a:latin typeface="Times New Roman" pitchFamily="18" charset="0"/>
+                <a:ea typeface="+mn-ea"/>
+                <a:cs typeface="+mn-cs"/>
+              </a:rPr>
+              <a:t>("</a:t>
+            </a:r>
+            <a:r>
+              <a:rPr lang="pt-BR" sz="1400" kern="1200" dirty="0" err="1" smtClean="0">
+                <a:solidFill>
+                  <a:schemeClr val="tx1"/>
+                </a:solidFill>
+                <a:latin typeface="Times New Roman" pitchFamily="18" charset="0"/>
+                <a:ea typeface="+mn-ea"/>
+                <a:cs typeface="+mn-cs"/>
+              </a:rPr>
+              <a:t>Enter</a:t>
+            </a:r>
+            <a:r>
+              <a:rPr lang="pt-BR" sz="1400" kern="1200" dirty="0" smtClean="0">
+                <a:solidFill>
+                  <a:schemeClr val="tx1"/>
+                </a:solidFill>
+                <a:latin typeface="Times New Roman" pitchFamily="18" charset="0"/>
+                <a:ea typeface="+mn-ea"/>
+                <a:cs typeface="+mn-cs"/>
+              </a:rPr>
+              <a:t> a score (-1 </a:t>
+            </a:r>
+            <a:r>
+              <a:rPr lang="pt-BR" sz="1400" kern="1200" dirty="0" err="1" smtClean="0">
+                <a:solidFill>
+                  <a:schemeClr val="tx1"/>
+                </a:solidFill>
+                <a:latin typeface="Times New Roman" pitchFamily="18" charset="0"/>
+                <a:ea typeface="+mn-ea"/>
+                <a:cs typeface="+mn-cs"/>
+              </a:rPr>
+              <a:t>to</a:t>
+            </a:r>
+            <a:r>
+              <a:rPr lang="pt-BR" sz="1400" kern="1200" dirty="0" smtClean="0">
+                <a:solidFill>
+                  <a:schemeClr val="tx1"/>
+                </a:solidFill>
+                <a:latin typeface="Times New Roman" pitchFamily="18" charset="0"/>
+                <a:ea typeface="+mn-ea"/>
+                <a:cs typeface="+mn-cs"/>
+              </a:rPr>
+              <a:t> stop):", "Scores")</a:t>
+            </a:r>
+          </a:p>
+          <a:p>
+            <a:r>
+              <a:rPr lang="pt-BR" sz="1400" kern="1200" dirty="0" smtClean="0">
+                <a:solidFill>
+                  <a:schemeClr val="tx1"/>
+                </a:solidFill>
+                <a:latin typeface="Times New Roman" pitchFamily="18" charset="0"/>
+                <a:ea typeface="+mn-ea"/>
+                <a:cs typeface="+mn-cs"/>
+              </a:rPr>
+              <a:t>        </a:t>
+            </a:r>
+            <a:r>
+              <a:rPr lang="pt-BR" sz="1400" kern="1200" dirty="0" err="1" smtClean="0">
+                <a:solidFill>
+                  <a:schemeClr val="tx1"/>
+                </a:solidFill>
+                <a:latin typeface="Times New Roman" pitchFamily="18" charset="0"/>
+                <a:ea typeface="+mn-ea"/>
+                <a:cs typeface="+mn-cs"/>
+              </a:rPr>
+              <a:t>sumOfScores</a:t>
+            </a:r>
+            <a:r>
+              <a:rPr lang="pt-BR" sz="1400" kern="1200" dirty="0" smtClean="0">
+                <a:solidFill>
+                  <a:schemeClr val="tx1"/>
+                </a:solidFill>
+                <a:latin typeface="Times New Roman" pitchFamily="18" charset="0"/>
+                <a:ea typeface="+mn-ea"/>
+                <a:cs typeface="+mn-cs"/>
+              </a:rPr>
+              <a:t> = Val(</a:t>
+            </a:r>
+            <a:r>
+              <a:rPr lang="pt-BR" sz="1400" kern="1200" dirty="0" err="1" smtClean="0">
+                <a:solidFill>
+                  <a:schemeClr val="tx1"/>
+                </a:solidFill>
+                <a:latin typeface="Times New Roman" pitchFamily="18" charset="0"/>
+                <a:ea typeface="+mn-ea"/>
+                <a:cs typeface="+mn-cs"/>
+              </a:rPr>
+              <a:t>tempScore</a:t>
+            </a:r>
+            <a:r>
+              <a:rPr lang="pt-BR" sz="1400" kern="1200" dirty="0" smtClean="0">
+                <a:solidFill>
+                  <a:schemeClr val="tx1"/>
+                </a:solidFill>
+                <a:latin typeface="Times New Roman" pitchFamily="18" charset="0"/>
+                <a:ea typeface="+mn-ea"/>
+                <a:cs typeface="+mn-cs"/>
+              </a:rPr>
+              <a:t>)</a:t>
+            </a:r>
+          </a:p>
+          <a:p>
+            <a:r>
+              <a:rPr lang="pt-BR" sz="1400" kern="1200" dirty="0" smtClean="0">
+                <a:solidFill>
+                  <a:schemeClr val="tx1"/>
+                </a:solidFill>
+                <a:latin typeface="Times New Roman" pitchFamily="18" charset="0"/>
+                <a:ea typeface="+mn-ea"/>
+                <a:cs typeface="+mn-cs"/>
+              </a:rPr>
+              <a:t>        Do </a:t>
+            </a:r>
+            <a:r>
+              <a:rPr lang="pt-BR" sz="1400" kern="1200" dirty="0" err="1" smtClean="0">
+                <a:solidFill>
+                  <a:schemeClr val="tx1"/>
+                </a:solidFill>
+                <a:latin typeface="Times New Roman" pitchFamily="18" charset="0"/>
+                <a:ea typeface="+mn-ea"/>
+                <a:cs typeface="+mn-cs"/>
+              </a:rPr>
+              <a:t>While</a:t>
+            </a:r>
+            <a:r>
+              <a:rPr lang="pt-BR" sz="1400" kern="1200" dirty="0" smtClean="0">
+                <a:solidFill>
+                  <a:schemeClr val="tx1"/>
+                </a:solidFill>
+                <a:latin typeface="Times New Roman" pitchFamily="18" charset="0"/>
+                <a:ea typeface="+mn-ea"/>
+                <a:cs typeface="+mn-cs"/>
+              </a:rPr>
+              <a:t> </a:t>
+            </a:r>
+            <a:r>
+              <a:rPr lang="pt-BR" sz="1400" kern="1200" dirty="0" err="1" smtClean="0">
+                <a:solidFill>
+                  <a:schemeClr val="tx1"/>
+                </a:solidFill>
+                <a:latin typeface="Times New Roman" pitchFamily="18" charset="0"/>
+                <a:ea typeface="+mn-ea"/>
+                <a:cs typeface="+mn-cs"/>
+              </a:rPr>
+              <a:t>tempScore</a:t>
+            </a:r>
+            <a:r>
+              <a:rPr lang="pt-BR" sz="1400" kern="1200" dirty="0" smtClean="0">
+                <a:solidFill>
+                  <a:schemeClr val="tx1"/>
+                </a:solidFill>
+                <a:latin typeface="Times New Roman" pitchFamily="18" charset="0"/>
+                <a:ea typeface="+mn-ea"/>
+                <a:cs typeface="+mn-cs"/>
+              </a:rPr>
+              <a:t> &lt;&gt; </a:t>
+            </a:r>
+            <a:r>
+              <a:rPr lang="pt-BR" sz="1400" kern="1200" dirty="0" err="1" smtClean="0">
+                <a:solidFill>
+                  <a:schemeClr val="tx1"/>
+                </a:solidFill>
+                <a:latin typeface="Times New Roman" pitchFamily="18" charset="0"/>
+                <a:ea typeface="+mn-ea"/>
+                <a:cs typeface="+mn-cs"/>
+              </a:rPr>
+              <a:t>Nothing</a:t>
+            </a:r>
+            <a:r>
+              <a:rPr lang="pt-BR" sz="1400" kern="1200" dirty="0" smtClean="0">
+                <a:solidFill>
+                  <a:schemeClr val="tx1"/>
+                </a:solidFill>
+                <a:latin typeface="Times New Roman" pitchFamily="18" charset="0"/>
+                <a:ea typeface="+mn-ea"/>
+                <a:cs typeface="+mn-cs"/>
+              </a:rPr>
+              <a:t> </a:t>
+            </a:r>
+            <a:r>
+              <a:rPr lang="pt-BR" sz="1400" kern="1200" dirty="0" err="1" smtClean="0">
+                <a:solidFill>
+                  <a:schemeClr val="tx1"/>
+                </a:solidFill>
+                <a:latin typeface="Times New Roman" pitchFamily="18" charset="0"/>
+                <a:ea typeface="+mn-ea"/>
+                <a:cs typeface="+mn-cs"/>
+              </a:rPr>
+              <a:t>And</a:t>
+            </a:r>
+            <a:r>
+              <a:rPr lang="pt-BR" sz="1400" kern="1200" dirty="0" smtClean="0">
+                <a:solidFill>
+                  <a:schemeClr val="tx1"/>
+                </a:solidFill>
+                <a:latin typeface="Times New Roman" pitchFamily="18" charset="0"/>
+                <a:ea typeface="+mn-ea"/>
+                <a:cs typeface="+mn-cs"/>
+              </a:rPr>
+              <a:t> Val(</a:t>
+            </a:r>
+            <a:r>
+              <a:rPr lang="pt-BR" sz="1400" kern="1200" dirty="0" err="1" smtClean="0">
+                <a:solidFill>
+                  <a:schemeClr val="tx1"/>
+                </a:solidFill>
+                <a:latin typeface="Times New Roman" pitchFamily="18" charset="0"/>
+                <a:ea typeface="+mn-ea"/>
+                <a:cs typeface="+mn-cs"/>
+              </a:rPr>
+              <a:t>tempScore</a:t>
+            </a:r>
+            <a:r>
+              <a:rPr lang="pt-BR" sz="1400" kern="1200" dirty="0" smtClean="0">
+                <a:solidFill>
+                  <a:schemeClr val="tx1"/>
+                </a:solidFill>
+                <a:latin typeface="Times New Roman" pitchFamily="18" charset="0"/>
+                <a:ea typeface="+mn-ea"/>
+                <a:cs typeface="+mn-cs"/>
+              </a:rPr>
+              <a:t>) &lt;&gt; FLAG</a:t>
+            </a:r>
+          </a:p>
+          <a:p>
+            <a:r>
+              <a:rPr lang="pt-BR" sz="1400" kern="1200" dirty="0" smtClean="0">
+                <a:solidFill>
+                  <a:schemeClr val="tx1"/>
+                </a:solidFill>
+                <a:latin typeface="Times New Roman" pitchFamily="18" charset="0"/>
+                <a:ea typeface="+mn-ea"/>
+                <a:cs typeface="+mn-cs"/>
+              </a:rPr>
+              <a:t>            </a:t>
+            </a:r>
+            <a:r>
+              <a:rPr lang="pt-BR" sz="1400" kern="1200" dirty="0" err="1" smtClean="0">
+                <a:solidFill>
+                  <a:schemeClr val="tx1"/>
+                </a:solidFill>
+                <a:latin typeface="Times New Roman" pitchFamily="18" charset="0"/>
+                <a:ea typeface="+mn-ea"/>
+                <a:cs typeface="+mn-cs"/>
+              </a:rPr>
+              <a:t>tempScore</a:t>
+            </a:r>
+            <a:r>
+              <a:rPr lang="pt-BR" sz="1400" kern="1200" dirty="0" smtClean="0">
+                <a:solidFill>
+                  <a:schemeClr val="tx1"/>
+                </a:solidFill>
+                <a:latin typeface="Times New Roman" pitchFamily="18" charset="0"/>
+                <a:ea typeface="+mn-ea"/>
+                <a:cs typeface="+mn-cs"/>
+              </a:rPr>
+              <a:t> = </a:t>
+            </a:r>
+            <a:r>
+              <a:rPr lang="pt-BR" sz="1400" kern="1200" dirty="0" err="1" smtClean="0">
+                <a:solidFill>
+                  <a:schemeClr val="tx1"/>
+                </a:solidFill>
+                <a:latin typeface="Times New Roman" pitchFamily="18" charset="0"/>
+                <a:ea typeface="+mn-ea"/>
+                <a:cs typeface="+mn-cs"/>
+              </a:rPr>
+              <a:t>InputBox</a:t>
+            </a:r>
+            <a:r>
+              <a:rPr lang="pt-BR" sz="1400" kern="1200" dirty="0" smtClean="0">
+                <a:solidFill>
+                  <a:schemeClr val="tx1"/>
+                </a:solidFill>
+                <a:latin typeface="Times New Roman" pitchFamily="18" charset="0"/>
+                <a:ea typeface="+mn-ea"/>
+                <a:cs typeface="+mn-cs"/>
+              </a:rPr>
+              <a:t>("</a:t>
+            </a:r>
+            <a:r>
+              <a:rPr lang="pt-BR" sz="1400" kern="1200" dirty="0" err="1" smtClean="0">
+                <a:solidFill>
+                  <a:schemeClr val="tx1"/>
+                </a:solidFill>
+                <a:latin typeface="Times New Roman" pitchFamily="18" charset="0"/>
+                <a:ea typeface="+mn-ea"/>
+                <a:cs typeface="+mn-cs"/>
+              </a:rPr>
+              <a:t>Enter</a:t>
+            </a:r>
+            <a:r>
+              <a:rPr lang="pt-BR" sz="1400" kern="1200" dirty="0" smtClean="0">
+                <a:solidFill>
+                  <a:schemeClr val="tx1"/>
+                </a:solidFill>
+                <a:latin typeface="Times New Roman" pitchFamily="18" charset="0"/>
+                <a:ea typeface="+mn-ea"/>
+                <a:cs typeface="+mn-cs"/>
+              </a:rPr>
+              <a:t> a score (-1 </a:t>
+            </a:r>
+            <a:r>
+              <a:rPr lang="pt-BR" sz="1400" kern="1200" dirty="0" err="1" smtClean="0">
+                <a:solidFill>
+                  <a:schemeClr val="tx1"/>
+                </a:solidFill>
+                <a:latin typeface="Times New Roman" pitchFamily="18" charset="0"/>
+                <a:ea typeface="+mn-ea"/>
+                <a:cs typeface="+mn-cs"/>
+              </a:rPr>
+              <a:t>to</a:t>
+            </a:r>
+            <a:r>
+              <a:rPr lang="pt-BR" sz="1400" kern="1200" dirty="0" smtClean="0">
+                <a:solidFill>
+                  <a:schemeClr val="tx1"/>
+                </a:solidFill>
+                <a:latin typeface="Times New Roman" pitchFamily="18" charset="0"/>
+                <a:ea typeface="+mn-ea"/>
+                <a:cs typeface="+mn-cs"/>
+              </a:rPr>
+              <a:t> stop):", "Scores")</a:t>
+            </a:r>
+          </a:p>
+          <a:p>
+            <a:r>
+              <a:rPr lang="pt-BR" sz="1400" kern="1200" dirty="0" smtClean="0">
+                <a:solidFill>
+                  <a:schemeClr val="tx1"/>
+                </a:solidFill>
+                <a:latin typeface="Times New Roman" pitchFamily="18" charset="0"/>
+                <a:ea typeface="+mn-ea"/>
+                <a:cs typeface="+mn-cs"/>
+              </a:rPr>
+              <a:t>            </a:t>
+            </a:r>
+            <a:r>
+              <a:rPr lang="pt-BR" sz="1400" kern="1200" dirty="0" err="1" smtClean="0">
+                <a:solidFill>
+                  <a:schemeClr val="tx1"/>
+                </a:solidFill>
+                <a:latin typeface="Times New Roman" pitchFamily="18" charset="0"/>
+                <a:ea typeface="+mn-ea"/>
+                <a:cs typeface="+mn-cs"/>
+              </a:rPr>
+              <a:t>sumOfScores</a:t>
+            </a:r>
+            <a:r>
+              <a:rPr lang="pt-BR" sz="1400" kern="1200" dirty="0" smtClean="0">
+                <a:solidFill>
+                  <a:schemeClr val="tx1"/>
+                </a:solidFill>
+                <a:latin typeface="Times New Roman" pitchFamily="18" charset="0"/>
+                <a:ea typeface="+mn-ea"/>
+                <a:cs typeface="+mn-cs"/>
+              </a:rPr>
+              <a:t> += Val(</a:t>
+            </a:r>
+            <a:r>
+              <a:rPr lang="pt-BR" sz="1400" kern="1200" dirty="0" err="1" smtClean="0">
+                <a:solidFill>
+                  <a:schemeClr val="tx1"/>
+                </a:solidFill>
+                <a:latin typeface="Times New Roman" pitchFamily="18" charset="0"/>
+                <a:ea typeface="+mn-ea"/>
+                <a:cs typeface="+mn-cs"/>
+              </a:rPr>
+              <a:t>tempScore</a:t>
+            </a:r>
+            <a:r>
+              <a:rPr lang="pt-BR" sz="1400" kern="1200" dirty="0" smtClean="0">
+                <a:solidFill>
+                  <a:schemeClr val="tx1"/>
+                </a:solidFill>
+                <a:latin typeface="Times New Roman" pitchFamily="18" charset="0"/>
+                <a:ea typeface="+mn-ea"/>
+                <a:cs typeface="+mn-cs"/>
+              </a:rPr>
+              <a:t>)</a:t>
+            </a:r>
+          </a:p>
+          <a:p>
+            <a:r>
+              <a:rPr lang="en-US" sz="1400" kern="1200" dirty="0" smtClean="0">
+                <a:solidFill>
+                  <a:schemeClr val="tx1"/>
+                </a:solidFill>
+                <a:latin typeface="Times New Roman" pitchFamily="18" charset="0"/>
+                <a:ea typeface="+mn-ea"/>
+                <a:cs typeface="+mn-cs"/>
+              </a:rPr>
+              <a:t>            </a:t>
+            </a:r>
+            <a:r>
+              <a:rPr lang="en-US" sz="1400" kern="1200" dirty="0" err="1" smtClean="0">
+                <a:solidFill>
+                  <a:schemeClr val="tx1"/>
+                </a:solidFill>
+                <a:latin typeface="Times New Roman" pitchFamily="18" charset="0"/>
+                <a:ea typeface="+mn-ea"/>
+                <a:cs typeface="+mn-cs"/>
+              </a:rPr>
+              <a:t>numberOfScores</a:t>
+            </a:r>
+            <a:r>
+              <a:rPr lang="en-US" sz="1400" kern="1200" dirty="0" smtClean="0">
+                <a:solidFill>
+                  <a:schemeClr val="tx1"/>
+                </a:solidFill>
+                <a:latin typeface="Times New Roman" pitchFamily="18" charset="0"/>
+                <a:ea typeface="+mn-ea"/>
+                <a:cs typeface="+mn-cs"/>
+              </a:rPr>
+              <a:t> += 1</a:t>
+            </a:r>
+          </a:p>
+          <a:p>
+            <a:r>
+              <a:rPr lang="nl-NL" sz="1400" kern="1200" dirty="0" smtClean="0">
+                <a:solidFill>
+                  <a:schemeClr val="tx1"/>
+                </a:solidFill>
+                <a:latin typeface="Times New Roman" pitchFamily="18" charset="0"/>
+                <a:ea typeface="+mn-ea"/>
+                <a:cs typeface="+mn-cs"/>
+              </a:rPr>
+              <a:t>        Loop</a:t>
+            </a:r>
+          </a:p>
+          <a:p>
+            <a:r>
+              <a:rPr lang="nl-NL" sz="1400" kern="1200" dirty="0" smtClean="0">
+                <a:solidFill>
+                  <a:schemeClr val="tx1"/>
+                </a:solidFill>
+                <a:latin typeface="Times New Roman" pitchFamily="18" charset="0"/>
+                <a:ea typeface="+mn-ea"/>
+                <a:cs typeface="+mn-cs"/>
+              </a:rPr>
+              <a:t>        </a:t>
+            </a:r>
+            <a:r>
+              <a:rPr lang="nl-NL" sz="1400" kern="1200" dirty="0" err="1" smtClean="0">
+                <a:solidFill>
+                  <a:schemeClr val="tx1"/>
+                </a:solidFill>
+                <a:latin typeface="Times New Roman" pitchFamily="18" charset="0"/>
+                <a:ea typeface="+mn-ea"/>
+                <a:cs typeface="+mn-cs"/>
+              </a:rPr>
+              <a:t>Me.lblAverage.Text</a:t>
+            </a:r>
+            <a:r>
+              <a:rPr lang="nl-NL" sz="1400" kern="1200" dirty="0" smtClean="0">
+                <a:solidFill>
+                  <a:schemeClr val="tx1"/>
+                </a:solidFill>
+                <a:latin typeface="Times New Roman" pitchFamily="18" charset="0"/>
+                <a:ea typeface="+mn-ea"/>
+                <a:cs typeface="+mn-cs"/>
+              </a:rPr>
+              <a:t> = </a:t>
+            </a:r>
+            <a:r>
+              <a:rPr lang="nl-NL" sz="1400" kern="1200" dirty="0" err="1" smtClean="0">
+                <a:solidFill>
+                  <a:schemeClr val="tx1"/>
+                </a:solidFill>
+                <a:latin typeface="Times New Roman" pitchFamily="18" charset="0"/>
+                <a:ea typeface="+mn-ea"/>
+                <a:cs typeface="+mn-cs"/>
+              </a:rPr>
+              <a:t>sumOfScores</a:t>
+            </a:r>
+            <a:r>
+              <a:rPr lang="nl-NL" sz="1400" kern="1200" dirty="0" smtClean="0">
+                <a:solidFill>
+                  <a:schemeClr val="tx1"/>
+                </a:solidFill>
+                <a:latin typeface="Times New Roman" pitchFamily="18" charset="0"/>
+                <a:ea typeface="+mn-ea"/>
+                <a:cs typeface="+mn-cs"/>
+              </a:rPr>
+              <a:t> / </a:t>
+            </a:r>
+            <a:r>
+              <a:rPr lang="nl-NL" sz="1400" kern="1200" dirty="0" err="1" smtClean="0">
+                <a:solidFill>
+                  <a:schemeClr val="tx1"/>
+                </a:solidFill>
+                <a:latin typeface="Times New Roman" pitchFamily="18" charset="0"/>
+                <a:ea typeface="+mn-ea"/>
+                <a:cs typeface="+mn-cs"/>
+              </a:rPr>
+              <a:t>numberOfScores</a:t>
+            </a:r>
+            <a:endParaRPr lang="nl-NL" sz="1400" kern="1200" dirty="0" smtClean="0">
+              <a:solidFill>
+                <a:schemeClr val="tx1"/>
+              </a:solidFill>
+              <a:latin typeface="Times New Roman" pitchFamily="18" charset="0"/>
+              <a:ea typeface="+mn-ea"/>
+              <a:cs typeface="+mn-cs"/>
+            </a:endParaRPr>
+          </a:p>
+          <a:p>
+            <a:r>
+              <a:rPr lang="nl-NL" sz="1400" kern="1200" dirty="0" smtClean="0">
+                <a:solidFill>
+                  <a:schemeClr val="tx1"/>
+                </a:solidFill>
+                <a:latin typeface="Times New Roman" pitchFamily="18" charset="0"/>
+                <a:ea typeface="+mn-ea"/>
+                <a:cs typeface="+mn-cs"/>
+              </a:rPr>
+              <a:t>        </a:t>
+            </a:r>
+            <a:r>
+              <a:rPr lang="nl-NL" sz="1400" kern="1200" dirty="0" err="1" smtClean="0">
+                <a:solidFill>
+                  <a:schemeClr val="tx1"/>
+                </a:solidFill>
+                <a:latin typeface="Times New Roman" pitchFamily="18" charset="0"/>
+                <a:ea typeface="+mn-ea"/>
+                <a:cs typeface="+mn-cs"/>
+              </a:rPr>
+              <a:t>Me.lblNumberOfScores.Text</a:t>
+            </a:r>
+            <a:r>
+              <a:rPr lang="nl-NL" sz="1400" kern="1200" dirty="0" smtClean="0">
+                <a:solidFill>
+                  <a:schemeClr val="tx1"/>
+                </a:solidFill>
+                <a:latin typeface="Times New Roman" pitchFamily="18" charset="0"/>
+                <a:ea typeface="+mn-ea"/>
+                <a:cs typeface="+mn-cs"/>
+              </a:rPr>
+              <a:t> = </a:t>
+            </a:r>
+            <a:r>
+              <a:rPr lang="nl-NL" sz="1400" kern="1200" dirty="0" err="1" smtClean="0">
+                <a:solidFill>
+                  <a:schemeClr val="tx1"/>
+                </a:solidFill>
+                <a:latin typeface="Times New Roman" pitchFamily="18" charset="0"/>
+                <a:ea typeface="+mn-ea"/>
+                <a:cs typeface="+mn-cs"/>
+              </a:rPr>
+              <a:t>numberOfScores</a:t>
+            </a:r>
+            <a:endParaRPr lang="nl-NL" sz="1400" kern="1200" dirty="0" smtClean="0">
+              <a:solidFill>
+                <a:schemeClr val="tx1"/>
+              </a:solidFill>
+              <a:latin typeface="Times New Roman" pitchFamily="18" charset="0"/>
+              <a:ea typeface="+mn-ea"/>
+              <a:cs typeface="+mn-cs"/>
+            </a:endParaRPr>
+          </a:p>
+          <a:p>
+            <a:r>
+              <a:rPr lang="de-DE" sz="1400" kern="1200" dirty="0" smtClean="0">
+                <a:solidFill>
+                  <a:schemeClr val="tx1"/>
+                </a:solidFill>
+                <a:latin typeface="Times New Roman" pitchFamily="18" charset="0"/>
+                <a:ea typeface="+mn-ea"/>
+                <a:cs typeface="+mn-cs"/>
+              </a:rPr>
+              <a:t>    End Sub</a:t>
+            </a:r>
+          </a:p>
+          <a:p>
+            <a:r>
+              <a:rPr lang="de-DE" sz="1400" kern="1200" smtClean="0">
+                <a:solidFill>
+                  <a:schemeClr val="tx1"/>
+                </a:solidFill>
+                <a:latin typeface="Times New Roman" pitchFamily="18" charset="0"/>
+                <a:ea typeface="+mn-ea"/>
+                <a:cs typeface="+mn-cs"/>
+              </a:rPr>
+              <a:t>End Class</a:t>
+            </a:r>
+          </a:p>
+          <a:p>
             <a:endParaRPr lang="en-US" u="none" strike="noStrike" dirty="0">
               <a:solidFill>
                 <a:srgbClr val="FF6600"/>
@@ -5690,7 +8121,7 @@
             <a:fld id="{03A51CE5-46A1-4ADD-A895-9A35D8E90125}" type="datetime8">
               <a:rPr lang="en-US"/>
               <a:pPr/>
-              <a:t>11/18/13 07:21</a:t>
+              <a:t>6/4/15 15:05</a:t>
             </a:fld>
             <a:endParaRPr lang="en-US"/>
           </a:p>
@@ -5841,6 +8272,346 @@
               <a:rPr lang="en-US" i="0" baseline="0" dirty="0" smtClean="0"/>
               <a:t> )</a:t>
             </a:r>
+          </a:p>
+          <a:p>
+            <a:endParaRPr lang="en-US" i="0" baseline="0" dirty="0" smtClean="0"/>
+          </a:p>
+          <a:p>
+            <a:r>
+              <a:rPr lang="en-US" sz="1400" kern="1200" dirty="0" smtClean="0">
+                <a:solidFill>
+                  <a:schemeClr val="tx1"/>
+                </a:solidFill>
+                <a:latin typeface="Times New Roman" pitchFamily="18" charset="0"/>
+                <a:ea typeface="+mn-ea"/>
+                <a:cs typeface="+mn-cs"/>
+              </a:rPr>
+              <a:t>Private Sub </a:t>
+            </a:r>
+            <a:r>
+              <a:rPr lang="en-US" sz="1400" kern="1200" dirty="0" err="1" smtClean="0">
+                <a:solidFill>
+                  <a:schemeClr val="tx1"/>
+                </a:solidFill>
+                <a:latin typeface="Times New Roman" pitchFamily="18" charset="0"/>
+                <a:ea typeface="+mn-ea"/>
+                <a:cs typeface="+mn-cs"/>
+              </a:rPr>
+              <a:t>btnEnterNum_Click</a:t>
+            </a:r>
+            <a:r>
+              <a:rPr lang="en-US" sz="1400" kern="1200" dirty="0" smtClean="0">
+                <a:solidFill>
+                  <a:schemeClr val="tx1"/>
+                </a:solidFill>
+                <a:latin typeface="Times New Roman" pitchFamily="18" charset="0"/>
+                <a:ea typeface="+mn-ea"/>
+                <a:cs typeface="+mn-cs"/>
+              </a:rPr>
+              <a:t>(</a:t>
+            </a:r>
+            <a:r>
+              <a:rPr lang="en-US" sz="1400" kern="1200" dirty="0" err="1" smtClean="0">
+                <a:solidFill>
+                  <a:schemeClr val="tx1"/>
+                </a:solidFill>
+                <a:latin typeface="Times New Roman" pitchFamily="18" charset="0"/>
+                <a:ea typeface="+mn-ea"/>
+                <a:cs typeface="+mn-cs"/>
+              </a:rPr>
+              <a:t>ByVal</a:t>
+            </a:r>
+            <a:r>
+              <a:rPr lang="en-US" sz="1400" kern="1200" dirty="0" smtClean="0">
+                <a:solidFill>
+                  <a:schemeClr val="tx1"/>
+                </a:solidFill>
+                <a:latin typeface="Times New Roman" pitchFamily="18" charset="0"/>
+                <a:ea typeface="+mn-ea"/>
+                <a:cs typeface="+mn-cs"/>
+              </a:rPr>
+              <a:t> sender As </a:t>
+            </a:r>
+            <a:r>
+              <a:rPr lang="en-US" sz="1400" kern="1200" dirty="0" err="1" smtClean="0">
+                <a:solidFill>
+                  <a:schemeClr val="tx1"/>
+                </a:solidFill>
+                <a:latin typeface="Times New Roman" pitchFamily="18" charset="0"/>
+                <a:ea typeface="+mn-ea"/>
+                <a:cs typeface="+mn-cs"/>
+              </a:rPr>
+              <a:t>System.Object</a:t>
+            </a:r>
+            <a:r>
+              <a:rPr lang="en-US" sz="1400" kern="1200" dirty="0" smtClean="0">
+                <a:solidFill>
+                  <a:schemeClr val="tx1"/>
+                </a:solidFill>
+                <a:latin typeface="Times New Roman" pitchFamily="18" charset="0"/>
+                <a:ea typeface="+mn-ea"/>
+                <a:cs typeface="+mn-cs"/>
+              </a:rPr>
+              <a:t>, </a:t>
+            </a:r>
+            <a:r>
+              <a:rPr lang="en-US" sz="1400" kern="1200" dirty="0" err="1" smtClean="0">
+                <a:solidFill>
+                  <a:schemeClr val="tx1"/>
+                </a:solidFill>
+                <a:latin typeface="Times New Roman" pitchFamily="18" charset="0"/>
+                <a:ea typeface="+mn-ea"/>
+                <a:cs typeface="+mn-cs"/>
+              </a:rPr>
+              <a:t>ByVal</a:t>
+            </a:r>
+            <a:r>
+              <a:rPr lang="en-US" sz="1400" kern="1200" dirty="0" smtClean="0">
+                <a:solidFill>
+                  <a:schemeClr val="tx1"/>
+                </a:solidFill>
+                <a:latin typeface="Times New Roman" pitchFamily="18" charset="0"/>
+                <a:ea typeface="+mn-ea"/>
+                <a:cs typeface="+mn-cs"/>
+              </a:rPr>
+              <a:t> e As </a:t>
+            </a:r>
+            <a:r>
+              <a:rPr lang="en-US" sz="1400" kern="1200" dirty="0" err="1" smtClean="0">
+                <a:solidFill>
+                  <a:schemeClr val="tx1"/>
+                </a:solidFill>
+                <a:latin typeface="Times New Roman" pitchFamily="18" charset="0"/>
+                <a:ea typeface="+mn-ea"/>
+                <a:cs typeface="+mn-cs"/>
+              </a:rPr>
+              <a:t>System.EventArgs</a:t>
+            </a:r>
+            <a:r>
+              <a:rPr lang="en-US" sz="1400" kern="1200" dirty="0" smtClean="0">
+                <a:solidFill>
+                  <a:schemeClr val="tx1"/>
+                </a:solidFill>
+                <a:latin typeface="Times New Roman" pitchFamily="18" charset="0"/>
+                <a:ea typeface="+mn-ea"/>
+                <a:cs typeface="+mn-cs"/>
+              </a:rPr>
+              <a:t>) Handles </a:t>
+            </a:r>
+            <a:r>
+              <a:rPr lang="en-US" sz="1400" kern="1200" dirty="0" err="1" smtClean="0">
+                <a:solidFill>
+                  <a:schemeClr val="tx1"/>
+                </a:solidFill>
+                <a:latin typeface="Times New Roman" pitchFamily="18" charset="0"/>
+                <a:ea typeface="+mn-ea"/>
+                <a:cs typeface="+mn-cs"/>
+              </a:rPr>
+              <a:t>btnEnterNum.Click</a:t>
+            </a:r>
+            <a:endParaRPr lang="en-US" sz="1400" kern="1200" dirty="0" smtClean="0">
+              <a:solidFill>
+                <a:schemeClr val="tx1"/>
+              </a:solidFill>
+              <a:latin typeface="Times New Roman" pitchFamily="18" charset="0"/>
+              <a:ea typeface="+mn-ea"/>
+              <a:cs typeface="+mn-cs"/>
+            </a:endParaRPr>
+          </a:p>
+          <a:p>
+            <a:r>
+              <a:rPr lang="en-US" sz="1400" kern="1200" dirty="0" smtClean="0">
+                <a:solidFill>
+                  <a:schemeClr val="tx1"/>
+                </a:solidFill>
+                <a:latin typeface="Times New Roman" pitchFamily="18" charset="0"/>
+                <a:ea typeface="+mn-ea"/>
+                <a:cs typeface="+mn-cs"/>
+              </a:rPr>
+              <a:t>        Dim number As Integer</a:t>
+            </a:r>
+          </a:p>
+          <a:p>
+            <a:r>
+              <a:rPr lang="en-US" sz="1400" kern="1200" dirty="0" smtClean="0">
+                <a:solidFill>
+                  <a:schemeClr val="tx1"/>
+                </a:solidFill>
+                <a:latin typeface="Times New Roman" pitchFamily="18" charset="0"/>
+                <a:ea typeface="+mn-ea"/>
+                <a:cs typeface="+mn-cs"/>
+              </a:rPr>
+              <a:t>        Dim factorial As Double = 1</a:t>
+            </a:r>
+          </a:p>
+          <a:p>
+            <a:endParaRPr lang="en-US" sz="1400" kern="1200" dirty="0" smtClean="0">
+              <a:solidFill>
+                <a:schemeClr val="tx1"/>
+              </a:solidFill>
+              <a:latin typeface="Times New Roman" pitchFamily="18" charset="0"/>
+              <a:ea typeface="+mn-ea"/>
+              <a:cs typeface="+mn-cs"/>
+            </a:endParaRPr>
+          </a:p>
+          <a:p>
+            <a:r>
+              <a:rPr lang="en-US" sz="1400" kern="1200" dirty="0" smtClean="0">
+                <a:solidFill>
+                  <a:schemeClr val="tx1"/>
+                </a:solidFill>
+                <a:latin typeface="Times New Roman" pitchFamily="18" charset="0"/>
+                <a:ea typeface="+mn-ea"/>
+                <a:cs typeface="+mn-cs"/>
+              </a:rPr>
+              <a:t>        number = </a:t>
+            </a:r>
+            <a:r>
+              <a:rPr lang="en-US" sz="1400" kern="1200" dirty="0" err="1" smtClean="0">
+                <a:solidFill>
+                  <a:schemeClr val="tx1"/>
+                </a:solidFill>
+                <a:latin typeface="Times New Roman" pitchFamily="18" charset="0"/>
+                <a:ea typeface="+mn-ea"/>
+                <a:cs typeface="+mn-cs"/>
+              </a:rPr>
+              <a:t>InputBox</a:t>
+            </a:r>
+            <a:r>
+              <a:rPr lang="en-US" sz="1400" kern="1200" dirty="0" smtClean="0">
+                <a:solidFill>
+                  <a:schemeClr val="tx1"/>
+                </a:solidFill>
+                <a:latin typeface="Times New Roman" pitchFamily="18" charset="0"/>
+                <a:ea typeface="+mn-ea"/>
+                <a:cs typeface="+mn-cs"/>
+              </a:rPr>
+              <a:t>("Enter number:", "Factorial")</a:t>
+            </a:r>
+          </a:p>
+          <a:p>
+            <a:r>
+              <a:rPr lang="en-US" sz="1400" kern="1200" dirty="0" smtClean="0">
+                <a:solidFill>
+                  <a:schemeClr val="tx1"/>
+                </a:solidFill>
+                <a:latin typeface="Times New Roman" pitchFamily="18" charset="0"/>
+                <a:ea typeface="+mn-ea"/>
+                <a:cs typeface="+mn-cs"/>
+              </a:rPr>
+              <a:t>        For count As Integer = 1 To number</a:t>
+            </a:r>
+          </a:p>
+          <a:p>
+            <a:r>
+              <a:rPr lang="en-US" sz="1400" kern="1200" dirty="0" smtClean="0">
+                <a:solidFill>
+                  <a:schemeClr val="tx1"/>
+                </a:solidFill>
+                <a:latin typeface="Times New Roman" pitchFamily="18" charset="0"/>
+                <a:ea typeface="+mn-ea"/>
+                <a:cs typeface="+mn-cs"/>
+              </a:rPr>
+              <a:t>            factorial *= count</a:t>
+            </a:r>
+          </a:p>
+          <a:p>
+            <a:r>
+              <a:rPr lang="en-US" sz="1400" kern="1200" dirty="0" smtClean="0">
+                <a:solidFill>
+                  <a:schemeClr val="tx1"/>
+                </a:solidFill>
+                <a:latin typeface="Times New Roman" pitchFamily="18" charset="0"/>
+                <a:ea typeface="+mn-ea"/>
+                <a:cs typeface="+mn-cs"/>
+              </a:rPr>
+              <a:t>        Next</a:t>
+            </a:r>
+          </a:p>
+          <a:p>
+            <a:r>
+              <a:rPr lang="en-US" sz="1400" kern="1200" dirty="0" smtClean="0">
+                <a:solidFill>
+                  <a:schemeClr val="tx1"/>
+                </a:solidFill>
+                <a:latin typeface="Times New Roman" pitchFamily="18" charset="0"/>
+                <a:ea typeface="+mn-ea"/>
+                <a:cs typeface="+mn-cs"/>
+              </a:rPr>
+              <a:t>        </a:t>
+            </a:r>
+            <a:r>
+              <a:rPr lang="en-US" sz="1400" kern="1200" dirty="0" err="1" smtClean="0">
+                <a:solidFill>
+                  <a:schemeClr val="tx1"/>
+                </a:solidFill>
+                <a:latin typeface="Times New Roman" pitchFamily="18" charset="0"/>
+                <a:ea typeface="+mn-ea"/>
+                <a:cs typeface="+mn-cs"/>
+              </a:rPr>
+              <a:t>Me.lblFactorialMessage.Text</a:t>
+            </a:r>
+            <a:r>
+              <a:rPr lang="en-US" sz="1400" kern="1200" dirty="0" smtClean="0">
+                <a:solidFill>
+                  <a:schemeClr val="tx1"/>
+                </a:solidFill>
+                <a:latin typeface="Times New Roman" pitchFamily="18" charset="0"/>
+                <a:ea typeface="+mn-ea"/>
+                <a:cs typeface="+mn-cs"/>
+              </a:rPr>
+              <a:t> = "Factorial is:"</a:t>
+            </a:r>
+          </a:p>
+          <a:p>
+            <a:r>
+              <a:rPr lang="en-US" sz="1400" kern="1200" dirty="0" smtClean="0">
+                <a:solidFill>
+                  <a:schemeClr val="tx1"/>
+                </a:solidFill>
+                <a:latin typeface="Times New Roman" pitchFamily="18" charset="0"/>
+                <a:ea typeface="+mn-ea"/>
+                <a:cs typeface="+mn-cs"/>
+              </a:rPr>
+              <a:t>        </a:t>
+            </a:r>
+            <a:r>
+              <a:rPr lang="en-US" sz="1400" kern="1200" dirty="0" err="1" smtClean="0">
+                <a:solidFill>
+                  <a:schemeClr val="tx1"/>
+                </a:solidFill>
+                <a:latin typeface="Times New Roman" pitchFamily="18" charset="0"/>
+                <a:ea typeface="+mn-ea"/>
+                <a:cs typeface="+mn-cs"/>
+              </a:rPr>
+              <a:t>Me.lblFactorial.Text</a:t>
+            </a:r>
+            <a:r>
+              <a:rPr lang="en-US" sz="1400" kern="1200" dirty="0" smtClean="0">
+                <a:solidFill>
+                  <a:schemeClr val="tx1"/>
+                </a:solidFill>
+                <a:latin typeface="Times New Roman" pitchFamily="18" charset="0"/>
+                <a:ea typeface="+mn-ea"/>
+                <a:cs typeface="+mn-cs"/>
+              </a:rPr>
+              <a:t> = factorial</a:t>
+            </a:r>
+          </a:p>
+          <a:p>
+            <a:r>
+              <a:rPr lang="de-DE" sz="1400" kern="1200" smtClean="0">
+                <a:solidFill>
+                  <a:schemeClr val="tx1"/>
+                </a:solidFill>
+                <a:latin typeface="Times New Roman" pitchFamily="18" charset="0"/>
+                <a:ea typeface="+mn-ea"/>
+                <a:cs typeface="+mn-cs"/>
+              </a:rPr>
+              <a:t>    End Sub</a:t>
+            </a:r>
+          </a:p>
+          <a:p>
             <a:endParaRPr lang="en-US" i="0" dirty="0"/>
           </a:p>
         </p:txBody>
@@ -5890,7 +8661,7 @@
             <a:fld id="{82E49183-7BCA-4B21-8377-131CC7437D47}" type="datetime8">
               <a:rPr lang="en-US"/>
               <a:pPr/>
-              <a:t>11/18/13 07:21</a:t>
+              <a:t>6/4/15 15:05</a:t>
             </a:fld>
             <a:endParaRPr lang="en-US"/>
           </a:p>
@@ -6004,69 +8775,268 @@
           </a:p>
           <a:p>
             <a:r>
-              <a:rPr lang="en-US" dirty="0" smtClean="0"/>
-              <a:t>Dim season As</a:t>
-            </a:r>
-            <a:r>
-              <a:rPr lang="en-US" baseline="0" dirty="0" smtClean="0"/>
-              <a:t> String = “Summer”</a:t>
-            </a:r>
-          </a:p>
-          <a:p>
-            <a:r>
-              <a:rPr lang="en-US" baseline="0" dirty="0" smtClean="0"/>
-              <a:t>Dim letter As Char</a:t>
-            </a:r>
-          </a:p>
-          <a:p>
-            <a:r>
-              <a:rPr lang="en-US" baseline="0" dirty="0" smtClean="0"/>
-              <a:t>Dim </a:t>
-            </a:r>
-            <a:r>
-              <a:rPr lang="en-US" baseline="0" dirty="0" err="1" smtClean="0"/>
+              <a:rPr lang="en-US" sz="1400" kern="1200" dirty="0" smtClean="0">
+                <a:solidFill>
+                  <a:schemeClr val="tx1"/>
+                </a:solidFill>
+                <a:latin typeface="Times New Roman" pitchFamily="18" charset="0"/>
+                <a:ea typeface="+mn-ea"/>
+                <a:cs typeface="+mn-cs"/>
+              </a:rPr>
+              <a:t>Dim season As String = "Summer"</a:t>
+            </a:r>
+          </a:p>
+          <a:p>
+            <a:r>
+              <a:rPr lang="en-US" sz="1400" kern="1200" dirty="0" smtClean="0">
+                <a:solidFill>
+                  <a:schemeClr val="tx1"/>
+                </a:solidFill>
+                <a:latin typeface="Times New Roman" pitchFamily="18" charset="0"/>
+                <a:ea typeface="+mn-ea"/>
+                <a:cs typeface="+mn-cs"/>
+              </a:rPr>
+              <a:t>        Dim letter As Char</a:t>
+            </a:r>
+          </a:p>
+          <a:p>
+            <a:r>
+              <a:rPr lang="en-US" sz="1400" kern="1200" dirty="0" smtClean="0">
+                <a:solidFill>
+                  <a:schemeClr val="tx1"/>
+                </a:solidFill>
+                <a:latin typeface="Times New Roman" pitchFamily="18" charset="0"/>
+                <a:ea typeface="+mn-ea"/>
+                <a:cs typeface="+mn-cs"/>
+              </a:rPr>
+              <a:t>        Dim </a:t>
+            </a:r>
+            <a:r>
+              <a:rPr lang="en-US" sz="1400" kern="1200" dirty="0" err="1" smtClean="0">
+                <a:solidFill>
+                  <a:schemeClr val="tx1"/>
+                </a:solidFill>
+                <a:latin typeface="Times New Roman" pitchFamily="18" charset="0"/>
+                <a:ea typeface="+mn-ea"/>
+                <a:cs typeface="+mn-cs"/>
+              </a:rPr>
               <a:t>numChars</a:t>
             </a:r>
             <a:r>
-              <a:rPr lang="en-US" baseline="0" dirty="0" smtClean="0"/>
+              <a:rPr lang="en-US" sz="1400" kern="1200" dirty="0" smtClean="0">
+                <a:solidFill>
+                  <a:schemeClr val="tx1"/>
+                </a:solidFill>
+                <a:latin typeface="Times New Roman" pitchFamily="18" charset="0"/>
+                <a:ea typeface="+mn-ea"/>
+                <a:cs typeface="+mn-cs"/>
+              </a:rPr>
               <a:t> As Integer</a:t>
             </a:r>
           </a:p>
           <a:p>
-            <a:endParaRPr lang="en-US" baseline="0" dirty="0" smtClean="0"/>
-          </a:p>
-          <a:p>
-            <a:r>
-              <a:rPr lang="en-US" baseline="0" dirty="0" smtClean="0"/>
-              <a:t>letter = </a:t>
-            </a:r>
-            <a:r>
-              <a:rPr lang="en-US" baseline="0" dirty="0" err="1" smtClean="0"/>
+            <a:endParaRPr lang="en-US" sz="1400" kern="1200" dirty="0" smtClean="0">
+              <a:solidFill>
+                <a:schemeClr val="tx1"/>
+              </a:solidFill>
+              <a:latin typeface="Times New Roman" pitchFamily="18" charset="0"/>
+              <a:ea typeface="+mn-ea"/>
+              <a:cs typeface="+mn-cs"/>
+            </a:endParaRPr>
+          </a:p>
+          <a:p>
+            <a:r>
+              <a:rPr lang="en-US" sz="1400" kern="1200" dirty="0" smtClean="0">
+                <a:solidFill>
+                  <a:schemeClr val="tx1"/>
+                </a:solidFill>
+                <a:latin typeface="Times New Roman" pitchFamily="18" charset="0"/>
+                <a:ea typeface="+mn-ea"/>
+                <a:cs typeface="+mn-cs"/>
+              </a:rPr>
+              <a:t>        letter = </a:t>
+            </a:r>
+            <a:r>
+              <a:rPr lang="en-US" sz="1400" kern="1200" dirty="0" err="1" smtClean="0">
+                <a:solidFill>
+                  <a:schemeClr val="tx1"/>
+                </a:solidFill>
+                <a:latin typeface="Times New Roman" pitchFamily="18" charset="0"/>
+                <a:ea typeface="+mn-ea"/>
+                <a:cs typeface="+mn-cs"/>
+              </a:rPr>
               <a:t>season.Chars</a:t>
             </a:r>
             <a:r>
-              <a:rPr lang="en-US" baseline="0" dirty="0" smtClean="0"/>
-              <a:t>(4)        ‘ e</a:t>
-            </a:r>
-          </a:p>
-          <a:p>
-            <a:r>
-              <a:rPr lang="en-US" baseline="0" dirty="0" err="1" smtClean="0"/>
+              <a:rPr lang="en-US" sz="1400" kern="1200" dirty="0" smtClean="0">
+                <a:solidFill>
+                  <a:schemeClr val="tx1"/>
+                </a:solidFill>
+                <a:latin typeface="Times New Roman" pitchFamily="18" charset="0"/>
+                <a:ea typeface="+mn-ea"/>
+                <a:cs typeface="+mn-cs"/>
+              </a:rPr>
+              <a:t>(4)</a:t>
+            </a:r>
+          </a:p>
+          <a:p>
+            <a:r>
+              <a:rPr lang="en-US" sz="1400" kern="1200" dirty="0" smtClean="0">
+                <a:solidFill>
+                  <a:schemeClr val="tx1"/>
+                </a:solidFill>
+                <a:latin typeface="Times New Roman" pitchFamily="18" charset="0"/>
+                <a:ea typeface="+mn-ea"/>
+                <a:cs typeface="+mn-cs"/>
+              </a:rPr>
+              <a:t>        </a:t>
+            </a:r>
+            <a:r>
+              <a:rPr lang="en-US" sz="1400" kern="1200" dirty="0" err="1" smtClean="0">
+                <a:solidFill>
+                  <a:schemeClr val="tx1"/>
+                </a:solidFill>
+                <a:latin typeface="Times New Roman" pitchFamily="18" charset="0"/>
+                <a:ea typeface="+mn-ea"/>
+                <a:cs typeface="+mn-cs"/>
+              </a:rPr>
               <a:t>numChars</a:t>
             </a:r>
             <a:r>
-              <a:rPr lang="en-US" baseline="0" dirty="0" smtClean="0"/>
+              <a:rPr lang="en-US" sz="1400" kern="1200" dirty="0" smtClean="0">
+                <a:solidFill>
+                  <a:schemeClr val="tx1"/>
+                </a:solidFill>
+                <a:latin typeface="Times New Roman" pitchFamily="18" charset="0"/>
+                <a:ea typeface="+mn-ea"/>
+                <a:cs typeface="+mn-cs"/>
+              </a:rPr>
               <a:t> = </a:t>
             </a:r>
             <a:r>
-              <a:rPr lang="en-US" baseline="0" dirty="0" err="1" smtClean="0"/>
+              <a:rPr lang="en-US" sz="1400" kern="1200" dirty="0" err="1" smtClean="0">
+                <a:solidFill>
+                  <a:schemeClr val="tx1"/>
+                </a:solidFill>
+                <a:latin typeface="Times New Roman" pitchFamily="18" charset="0"/>
+                <a:ea typeface="+mn-ea"/>
+                <a:cs typeface="+mn-cs"/>
+              </a:rPr>
               <a:t>season.Length</a:t>
             </a:r>
             <a:r>
-              <a:rPr lang="en-US" baseline="0" dirty="0" smtClean="0"/>
-              <a:t>  ‘ 6</a:t>
-            </a:r>
-            <a:endParaRPr lang="en-US" dirty="0"/>
+              <a:rPr lang="en-US" sz="1400" kern="1200" dirty="0" smtClean="0">
+                <a:solidFill>
+                  <a:schemeClr val="tx1"/>
+                </a:solidFill>
+                <a:latin typeface="Times New Roman" pitchFamily="18" charset="0"/>
+                <a:ea typeface="+mn-ea"/>
+                <a:cs typeface="+mn-cs"/>
+              </a:rPr>
+              <a:t>()</a:t>
+            </a:r>
+          </a:p>
+          <a:p>
+            <a:endParaRPr lang="en-US" sz="1400" kern="1200" dirty="0" smtClean="0">
+              <a:solidFill>
+                <a:schemeClr val="tx1"/>
+              </a:solidFill>
+              <a:latin typeface="Times New Roman" pitchFamily="18" charset="0"/>
+              <a:ea typeface="+mn-ea"/>
+              <a:cs typeface="+mn-cs"/>
+            </a:endParaRPr>
+          </a:p>
+          <a:p>
+            <a:r>
+              <a:rPr lang="en-US" sz="1400" kern="1200" dirty="0" smtClean="0">
+                <a:solidFill>
+                  <a:schemeClr val="tx1"/>
+                </a:solidFill>
+                <a:latin typeface="Times New Roman" pitchFamily="18" charset="0"/>
+                <a:ea typeface="+mn-ea"/>
+                <a:cs typeface="+mn-cs"/>
+              </a:rPr>
+              <a:t>        </a:t>
+            </a:r>
+            <a:r>
+              <a:rPr lang="en-US" sz="1400" kern="1200" dirty="0" err="1" smtClean="0">
+                <a:solidFill>
+                  <a:schemeClr val="tx1"/>
+                </a:solidFill>
+                <a:latin typeface="Times New Roman" pitchFamily="18" charset="0"/>
+                <a:ea typeface="+mn-ea"/>
+                <a:cs typeface="+mn-cs"/>
+              </a:rPr>
+              <a:t>Console.WriteLine</a:t>
+            </a:r>
+            <a:r>
+              <a:rPr lang="en-US" sz="1400" kern="1200" dirty="0" smtClean="0">
+                <a:solidFill>
+                  <a:schemeClr val="tx1"/>
+                </a:solidFill>
+                <a:latin typeface="Times New Roman" pitchFamily="18" charset="0"/>
+                <a:ea typeface="+mn-ea"/>
+                <a:cs typeface="+mn-cs"/>
+              </a:rPr>
+              <a:t>(letter)</a:t>
+            </a:r>
+          </a:p>
+          <a:p>
+            <a:r>
+              <a:rPr lang="en-US" sz="1400" kern="1200" dirty="0" smtClean="0">
+                <a:solidFill>
+                  <a:schemeClr val="tx1"/>
+                </a:solidFill>
+                <a:latin typeface="Times New Roman" pitchFamily="18" charset="0"/>
+                <a:ea typeface="+mn-ea"/>
+                <a:cs typeface="+mn-cs"/>
+              </a:rPr>
+              <a:t>        </a:t>
+            </a:r>
+            <a:r>
+              <a:rPr lang="en-US" sz="1400" kern="1200" dirty="0" err="1" smtClean="0">
+                <a:solidFill>
+                  <a:schemeClr val="tx1"/>
+                </a:solidFill>
+                <a:latin typeface="Times New Roman" pitchFamily="18" charset="0"/>
+                <a:ea typeface="+mn-ea"/>
+                <a:cs typeface="+mn-cs"/>
+              </a:rPr>
+              <a:t>Console.WriteLine</a:t>
+            </a:r>
+            <a:r>
+              <a:rPr lang="en-US" sz="1400" kern="1200" dirty="0" smtClean="0">
+                <a:solidFill>
+                  <a:schemeClr val="tx1"/>
+                </a:solidFill>
+                <a:latin typeface="Times New Roman" pitchFamily="18" charset="0"/>
+                <a:ea typeface="+mn-ea"/>
+                <a:cs typeface="+mn-cs"/>
+              </a:rPr>
+              <a:t>(</a:t>
+            </a:r>
+            <a:r>
+              <a:rPr lang="en-US" sz="1400" kern="1200" dirty="0" err="1" smtClean="0">
+                <a:solidFill>
+                  <a:schemeClr val="tx1"/>
+                </a:solidFill>
+                <a:latin typeface="Times New Roman" pitchFamily="18" charset="0"/>
+                <a:ea typeface="+mn-ea"/>
+                <a:cs typeface="+mn-cs"/>
+              </a:rPr>
+              <a:t>numChars</a:t>
+            </a:r>
+            <a:r>
+              <a:rPr lang="en-US" sz="1400" kern="1200" smtClean="0">
+                <a:solidFill>
+                  <a:schemeClr val="tx1"/>
+                </a:solidFill>
+                <a:latin typeface="Times New Roman" pitchFamily="18" charset="0"/>
+                <a:ea typeface="+mn-ea"/>
+                <a:cs typeface="+mn-cs"/>
+              </a:rPr>
+              <a:t>)</a:t>
+            </a:r>
           </a:p>
         </p:txBody>
       </p:sp>
@@ -9388,7 +12358,15 @@
           <a:p>
             <a:r>
               <a:rPr lang="en-US" sz="2000"/>
-              <a:t>Chapter 5</a:t>
+              <a:t>Chapter </a:t>
+            </a:r>
+            <a:r>
+              <a:rPr lang="en-US" sz="2000" smtClean="0"/>
+              <a:t>5 new</a:t>
+            </a:r>
+            <a:r>
+              <a:rPr lang="en-US" sz="2000"/>
+              <a:t/>
             </a:r>
             <a:br>
               <a:rPr lang="en-US" sz="2000"/>
@@ -12462,7 +15440,7 @@
         <p:spPr bwMode="auto">
           <a:xfrm>
             <a:off x="788988" y="1581150"/>
-            <a:ext cx="7780337" cy="3508653"/>
+            <a:ext cx="7780337" cy="4924425"/>
           </a:xfrm>
           <a:prstGeom prst="rect">
             <a:avLst/>
@@ -12739,8 +15717,72 @@
               </a:rPr>
               <a:t>integer</a:t>
             </a:r>
-            <a:endParaRPr lang="en-US" sz="2200" i="1" dirty="0">
-              <a:latin typeface="Tahoma" pitchFamily="34" charset="0"/>
+          </a:p>
+          <a:p>
+            <a:pPr marL="738188" indent="-738188">
+              <a:spcAft>
+                <a:spcPct val="50000"/>
+              </a:spcAft>
+              <a:buFont typeface="Wingdings" charset="2"/>
+              <a:buChar char="§"/>
+            </a:pPr>
+            <a:r>
+              <a:rPr lang="en-US" sz="2200" dirty="0" smtClean="0">
+                <a:latin typeface="Tahoma" pitchFamily="34" charset="0"/>
+              </a:rPr>
+              <a:t>Other functions:</a:t>
+            </a:r>
+          </a:p>
+          <a:p>
+            <a:pPr marL="0" indent="0">
+              <a:spcAft>
+                <a:spcPct val="50000"/>
+              </a:spcAft>
+            </a:pPr>
+            <a:r>
+              <a:rPr lang="en-US" sz="2200" dirty="0" smtClean="0">
+                <a:latin typeface="Tahoma" pitchFamily="34" charset="0"/>
+              </a:rPr>
+              <a:t>      -  </a:t>
+            </a:r>
+            <a:r>
+              <a:rPr lang="en-US" dirty="0" err="1" smtClean="0">
+                <a:latin typeface="+mn-lt"/>
+                <a:cs typeface="Times New Roman"/>
+              </a:rPr>
+              <a:t>StrReverse</a:t>
+            </a:r>
+            <a:r>
+              <a:rPr lang="en-US" dirty="0" smtClean="0">
+                <a:latin typeface="+mn-lt"/>
+                <a:cs typeface="Times New Roman"/>
+              </a:rPr>
+              <a:t>(</a:t>
+            </a:r>
+            <a:r>
+              <a:rPr lang="en-US" i="1" dirty="0" smtClean="0">
+                <a:latin typeface="+mn-lt"/>
+                <a:cs typeface="Times New Roman"/>
+              </a:rPr>
+              <a:t>string</a:t>
+            </a:r>
+            <a:r>
+              <a:rPr lang="en-US" dirty="0" smtClean="0">
+                <a:latin typeface="+mn-lt"/>
+                <a:cs typeface="Times New Roman"/>
+              </a:rPr>
+              <a:t>)-&gt; returns string in </a:t>
+            </a:r>
+            <a:r>
+              <a:rPr lang="en-US" smtClean="0">
+                <a:latin typeface="+mn-lt"/>
+                <a:cs typeface="Times New Roman"/>
+              </a:rPr>
+              <a:t>reverse                          	order</a:t>
+            </a:r>
+            <a:endParaRPr lang="en-US" dirty="0">
+              <a:latin typeface="+mn-lt"/>
+              <a:cs typeface="Times New Roman"/>
             </a:endParaRPr>
           </a:p>
         </p:txBody>
@@ -15310,19 +18352,7 @@
               <a:rPr lang="en-US" dirty="0" smtClean="0">
                 <a:latin typeface="Tahoma" pitchFamily="34" charset="0"/>
               </a:rPr>
-              <a:t>so it is </a:t>
-            </a:r>
-            <a:r>
-              <a:rPr lang="en-US" dirty="0" smtClean="0">
-                <a:latin typeface="Tahoma" pitchFamily="34" charset="0"/>
-              </a:rPr>
-              <a:t>initialized </a:t>
-            </a:r>
-            <a:r>
-              <a:rPr lang="en-US" dirty="0" smtClean="0">
-                <a:latin typeface="Tahoma" pitchFamily="34" charset="0"/>
-              </a:rPr>
-              <a:t>only once.</a:t>
+              <a:t>so it is initialized only once.</a:t>
             </a:r>
             <a:endParaRPr lang="en-US" i="1" dirty="0" smtClean="0">
               <a:latin typeface="Tahoma" pitchFamily="34" charset="0"/>
@@ -16297,7 +19327,7 @@
         <p:spPr bwMode="auto">
           <a:xfrm>
             <a:off x="785813" y="1568450"/>
-            <a:ext cx="7621587" cy="4838700"/>
+            <a:ext cx="7621587" cy="5078313"/>
           </a:xfrm>
           <a:prstGeom prst="rect">
             <a:avLst/>
@@ -16483,7 +19513,7 @@
               <a:buChar char="§"/>
             </a:pPr>
             <a:r>
-              <a:rPr lang="en-US">
+              <a:rPr lang="en-US" dirty="0">
                 <a:latin typeface="Tahoma" pitchFamily="34" charset="0"/>
               </a:rPr>
               <a:t>Loop structure that executes a set of statements a fixed number of times.</a:t>
@@ -16498,7 +19528,7 @@
               <a:buChar char="§"/>
             </a:pPr>
             <a:r>
-              <a:rPr lang="en-US">
+              <a:rPr lang="en-US" dirty="0">
                 <a:latin typeface="Tahoma" pitchFamily="34" charset="0"/>
               </a:rPr>
               <a:t>Uses a counter to control loop iterations.</a:t>
@@ -16513,19 +19543,19 @@
               <a:buChar char="§"/>
             </a:pPr>
             <a:r>
-              <a:rPr lang="en-US">
+              <a:rPr lang="en-US" dirty="0">
                 <a:latin typeface="Tahoma" pitchFamily="34" charset="0"/>
               </a:rPr>
               <a:t>The keyword </a:t>
             </a:r>
             <a:r>
-              <a:rPr lang="en-US">
+              <a:rPr lang="en-US" dirty="0">
                 <a:latin typeface="Courier New" pitchFamily="49" charset="0"/>
               </a:rPr>
               <a:t>Step</a:t>
             </a:r>
             <a:r>
-              <a:rPr lang="en-US">
+              <a:rPr lang="en-US" dirty="0">
                 <a:latin typeface="Tahoma" pitchFamily="34" charset="0"/>
               </a:rPr>
               <a:t> can optionally be used to change the amount the counter is incremented or decremented.</a:t>
@@ -16540,63 +19570,110 @@
               <a:buChar char="§"/>
             </a:pPr>
             <a:r>
-              <a:rPr lang="en-US">
+              <a:rPr lang="en-US" dirty="0">
                 <a:latin typeface="Tahoma" pitchFamily="34" charset="0"/>
               </a:rPr>
               <a:t>The loop below executes until </a:t>
             </a:r>
             <a:r>
-              <a:rPr lang="en-US">
+              <a:rPr lang="en-US" dirty="0" err="1">
                 <a:latin typeface="Courier New" pitchFamily="49" charset="0"/>
               </a:rPr>
               <a:t>num</a:t>
             </a:r>
             <a:r>
-              <a:rPr lang="en-US">
+              <a:rPr lang="en-US" dirty="0">
                 <a:latin typeface="Tahoma" pitchFamily="34" charset="0"/>
               </a:rPr>
               <a:t> is equal to 10:</a:t>
             </a:r>
             <a:br>
-              <a:rPr lang="en-US">
+              <a:rPr lang="en-US" dirty="0">
                 <a:latin typeface="Tahoma" pitchFamily="34" charset="0"/>
               </a:rPr>
             </a:br>
             <a:r>
-              <a:rPr lang="en-US">
+              <a:rPr lang="en-US" dirty="0">
                 <a:latin typeface="Courier New" pitchFamily="49" charset="0"/>
               </a:rPr>
-              <a:t>	For num As Integer = 0 To 10</a:t>
+              <a:t>	For </a:t>
+            </a:r>
+            <a:r>
+              <a:rPr lang="en-US" dirty="0" err="1">
+                <a:latin typeface="Courier New" pitchFamily="49" charset="0"/>
+              </a:rPr>
+              <a:t>num</a:t>
+            </a:r>
+            <a:r>
+              <a:rPr lang="en-US" dirty="0">
+                <a:latin typeface="Courier New" pitchFamily="49" charset="0"/>
+              </a:rPr>
+              <a:t> As Integer = 0 To 10</a:t>
             </a:r>
             <a:br>
-              <a:rPr lang="en-US">
+              <a:rPr lang="en-US" dirty="0">
                 <a:latin typeface="Courier New" pitchFamily="49" charset="0"/>
               </a:rPr>
             </a:br>
             <a:r>
-              <a:rPr lang="en-US">
+              <a:rPr lang="en-US" dirty="0">
                 <a:latin typeface="Courier New" pitchFamily="49" charset="0"/>
               </a:rPr>
-              <a:t>		i += num</a:t>
-            </a:r>
-            <a:br>
-              <a:rPr lang="en-US">
+              <a:t>		</a:t>
+            </a:r>
+            <a:r>
+              <a:rPr lang="en-US" dirty="0" err="1" smtClean="0">
                 <a:latin typeface="Courier New" pitchFamily="49" charset="0"/>
               </a:rPr>
-            </a:br>
-            <a:r>
-              <a:rPr lang="en-US">
+              <a:t>MessageBox.Show</a:t>
+            </a:r>
+            <a:r>
+              <a:rPr lang="en-US" dirty="0" smtClean="0">
                 <a:latin typeface="Courier New" pitchFamily="49" charset="0"/>
               </a:rPr>
-              <a:t>	Next num</a:t>
-            </a:r>
+              <a:t>(</a:t>
+            </a:r>
+            <a:r>
+              <a:rPr lang="en-US" dirty="0" err="1" smtClean="0">
+                <a:latin typeface="Courier New" pitchFamily="49" charset="0"/>
+              </a:rPr>
+              <a:t>num</a:t>
+            </a:r>
+            <a:r>
+              <a:rPr lang="en-US" dirty="0" smtClean="0">
+                <a:latin typeface="Courier New" pitchFamily="49" charset="0"/>
+              </a:rPr>
+              <a:t>)</a:t>
+            </a:r>
+          </a:p>
+          <a:p>
+            <a:pPr marL="0" indent="0">
+              <a:spcAft>
+                <a:spcPct val="50000"/>
+              </a:spcAft>
+            </a:pPr>
+            <a:r>
+              <a:rPr lang="en-US" dirty="0">
+                <a:latin typeface="Courier New" pitchFamily="49" charset="0"/>
+              </a:rPr>
+              <a:t>	Next </a:t>
+            </a:r>
+            <a:r>
+              <a:rPr lang="en-US" dirty="0" err="1">
+                <a:latin typeface="Courier New" pitchFamily="49" charset="0"/>
+              </a:rPr>
+              <a:t>num</a:t>
+            </a:r>
+            <a:endParaRPr lang="en-US" dirty="0">
+              <a:latin typeface="Courier New" pitchFamily="49" charset="0"/>
+            </a:endParaRPr>
           </a:p>
           <a:p>
             <a:pPr>
               <a:buFont typeface="Wingdings" pitchFamily="2" charset="2"/>
               <a:buNone/>
             </a:pPr>
-            <a:endParaRPr lang="en-US">
+            <a:endParaRPr lang="en-US" dirty="0">
               <a:latin typeface="Courier New" pitchFamily="49" charset="0"/>
             </a:endParaRPr>
           </a:p>
